--- a/Slide/Melhor Rota.pptx
+++ b/Slide/Melhor Rota.pptx
@@ -2,38 +2,39 @@
 <file path=ppt/presentation.xml><?xml version="1.0" encoding="utf-8"?>
 <p:presentation xmlns:a="http://schemas.openxmlformats.org/drawingml/2006/main" xmlns:r="http://schemas.openxmlformats.org/officeDocument/2006/relationships" xmlns:mc="http://schemas.openxmlformats.org/markup-compatibility/2006" xmlns:mv="urn:schemas-microsoft-com:mac:vml" xmlns:p="http://schemas.openxmlformats.org/presentationml/2006/main" xmlns:c="http://schemas.openxmlformats.org/drawingml/2006/chart" xmlns:dgm="http://schemas.openxmlformats.org/drawingml/2006/diagram" xmlns:o="urn:schemas-microsoft-com:office:office" xmlns:v="urn:schemas-microsoft-com:vml" xmlns:pvml="urn:schemas-microsoft-com:office:powerpoint" xmlns:com="http://schemas.openxmlformats.org/drawingml/2006/compatibility" xmlns:p14="http://schemas.microsoft.com/office/powerpoint/2010/main" xmlns:p15="http://schemas.microsoft.com/office/powerpoint/2012/main" xmlns:ahyp="http://schemas.microsoft.com/office/drawing/2018/hyperlinkcolor" autoCompressPictures="0" embedTrueTypeFonts="1" strictFirstAndLastChars="0" saveSubsetFonts="1">
   <p:sldMasterIdLst>
-    <p:sldMasterId id="2147483659" r:id="rId4"/>
+    <p:sldMasterId id="2147483659" r:id="rId5"/>
   </p:sldMasterIdLst>
   <p:notesMasterIdLst>
-    <p:notesMasterId r:id="rId5"/>
+    <p:notesMasterId r:id="rId6"/>
   </p:notesMasterIdLst>
   <p:sldIdLst>
-    <p:sldId id="256" r:id="rId6"/>
-    <p:sldId id="257" r:id="rId7"/>
-    <p:sldId id="258" r:id="rId8"/>
-    <p:sldId id="259" r:id="rId9"/>
-    <p:sldId id="260" r:id="rId10"/>
-    <p:sldId id="261" r:id="rId11"/>
-    <p:sldId id="262" r:id="rId12"/>
-    <p:sldId id="263" r:id="rId13"/>
-    <p:sldId id="264" r:id="rId14"/>
-    <p:sldId id="265" r:id="rId15"/>
-    <p:sldId id="266" r:id="rId16"/>
-    <p:sldId id="267" r:id="rId17"/>
+    <p:sldId id="256" r:id="rId7"/>
+    <p:sldId id="257" r:id="rId8"/>
+    <p:sldId id="258" r:id="rId9"/>
+    <p:sldId id="259" r:id="rId10"/>
+    <p:sldId id="260" r:id="rId11"/>
+    <p:sldId id="261" r:id="rId12"/>
+    <p:sldId id="262" r:id="rId13"/>
+    <p:sldId id="263" r:id="rId14"/>
+    <p:sldId id="264" r:id="rId15"/>
+    <p:sldId id="265" r:id="rId16"/>
+    <p:sldId id="266" r:id="rId17"/>
+    <p:sldId id="267" r:id="rId18"/>
+    <p:sldId id="268" r:id="rId19"/>
   </p:sldIdLst>
   <p:sldSz cy="10287000" cx="18288000"/>
   <p:notesSz cx="6858000" cy="9144000"/>
   <p:embeddedFontLst>
     <p:embeddedFont>
       <p:font typeface="Paytone One"/>
-      <p:regular r:id="rId18"/>
+      <p:regular r:id="rId20"/>
     </p:embeddedFont>
     <p:embeddedFont>
       <p:font typeface="Open Sans"/>
-      <p:regular r:id="rId19"/>
-      <p:bold r:id="rId20"/>
-      <p:italic r:id="rId21"/>
-      <p:boldItalic r:id="rId22"/>
+      <p:regular r:id="rId21"/>
+      <p:bold r:id="rId22"/>
+      <p:italic r:id="rId23"/>
+      <p:boldItalic r:id="rId24"/>
     </p:embeddedFont>
   </p:embeddedFontLst>
   <p:defaultTextStyle>
@@ -282,6 +283,30 @@
     </p:ext>
   </p:extLst>
 </p:presentation>
+</file>
+
+<file path=ppt/commentAuthors.xml><?xml version="1.0" encoding="utf-8"?>
+<p:cmAuthorLst xmlns:a="http://schemas.openxmlformats.org/drawingml/2006/main" xmlns:r="http://schemas.openxmlformats.org/officeDocument/2006/relationships" xmlns:mc="http://schemas.openxmlformats.org/markup-compatibility/2006" xmlns:mv="urn:schemas-microsoft-com:mac:vml" xmlns:p="http://schemas.openxmlformats.org/presentationml/2006/main" xmlns:c="http://schemas.openxmlformats.org/drawingml/2006/chart" xmlns:dgm="http://schemas.openxmlformats.org/drawingml/2006/diagram" xmlns:o="urn:schemas-microsoft-com:office:office" xmlns:v="urn:schemas-microsoft-com:vml" xmlns:pvml="urn:schemas-microsoft-com:office:powerpoint" xmlns:com="http://schemas.openxmlformats.org/drawingml/2006/compatibility" xmlns:p14="http://schemas.microsoft.com/office/powerpoint/2010/main" xmlns:p15="http://schemas.microsoft.com/office/powerpoint/2012/main" xmlns:ahyp="http://schemas.microsoft.com/office/drawing/2018/hyperlinkcolor">
+  <p:cmAuthor clrIdx="0" id="0" initials="" lastIdx="2" name="Julia Lima"/>
+</p:cmAuthorLst>
+</file>
+
+<file path=ppt/comments/comment1.xml><?xml version="1.0" encoding="utf-8"?>
+<p:cmLst xmlns:a="http://schemas.openxmlformats.org/drawingml/2006/main" xmlns:r="http://schemas.openxmlformats.org/officeDocument/2006/relationships" xmlns:mc="http://schemas.openxmlformats.org/markup-compatibility/2006" xmlns:mv="urn:schemas-microsoft-com:mac:vml" xmlns:p="http://schemas.openxmlformats.org/presentationml/2006/main" xmlns:c="http://schemas.openxmlformats.org/drawingml/2006/chart" xmlns:dgm="http://schemas.openxmlformats.org/drawingml/2006/diagram" xmlns:o="urn:schemas-microsoft-com:office:office" xmlns:v="urn:schemas-microsoft-com:vml" xmlns:pvml="urn:schemas-microsoft-com:office:powerpoint" xmlns:com="http://schemas.openxmlformats.org/drawingml/2006/compatibility" xmlns:p14="http://schemas.microsoft.com/office/powerpoint/2010/main" xmlns:p15="http://schemas.microsoft.com/office/powerpoint/2012/main" xmlns:ahyp="http://schemas.microsoft.com/office/drawing/2018/hyperlinkcolor">
+  <p:cm authorId="0" idx="1" dt="2023-07-18T01:33:31.189">
+    <p:pos x="6000" y="0"/>
+    <p:text>ainda to pensando no que escrever, mas achei que pode falar do problema de rotas, e que criamos um projeto que escolhe a melhor rota</p:text>
+  </p:cm>
+</p:cmLst>
+</file>
+
+<file path=ppt/comments/comment2.xml><?xml version="1.0" encoding="utf-8"?>
+<p:cmLst xmlns:a="http://schemas.openxmlformats.org/drawingml/2006/main" xmlns:r="http://schemas.openxmlformats.org/officeDocument/2006/relationships" xmlns:mc="http://schemas.openxmlformats.org/markup-compatibility/2006" xmlns:mv="urn:schemas-microsoft-com:mac:vml" xmlns:p="http://schemas.openxmlformats.org/presentationml/2006/main" xmlns:c="http://schemas.openxmlformats.org/drawingml/2006/chart" xmlns:dgm="http://schemas.openxmlformats.org/drawingml/2006/diagram" xmlns:o="urn:schemas-microsoft-com:office:office" xmlns:v="urn:schemas-microsoft-com:vml" xmlns:pvml="urn:schemas-microsoft-com:office:powerpoint" xmlns:com="http://schemas.openxmlformats.org/drawingml/2006/compatibility" xmlns:p14="http://schemas.microsoft.com/office/powerpoint/2010/main" xmlns:p15="http://schemas.microsoft.com/office/powerpoint/2012/main" xmlns:ahyp="http://schemas.microsoft.com/office/drawing/2018/hyperlinkcolor">
+  <p:cm authorId="0" idx="2" dt="2023-07-18T01:32:07.745">
+    <p:pos x="260" y="280"/>
+    <p:text>deixei sem preencher pq quem for falar, pode colocar o que acha melhor, mas a ideia era colcoar aqui o que é o projeto e fatos importantes, por exemplo pq escolheu o a*</p:text>
+  </p:cm>
+</p:cmLst>
 </file>
 
 <file path=ppt/notesMasters/notesMaster1.xml><?xml version="1.0" encoding="utf-8"?>
@@ -1628,46 +1653,7 @@
       </p:grpSpPr>
       <p:sp>
         <p:nvSpPr>
-          <p:cNvPr id="324" name="Google Shape;324;p10:notes"/>
-          <p:cNvSpPr txBox="1"/>
-          <p:nvPr>
-            <p:ph idx="1" type="body"/>
-          </p:nvPr>
-        </p:nvSpPr>
-        <p:spPr>
-          <a:xfrm>
-            <a:off x="685800" y="4400550"/>
-            <a:ext cx="5486400" cy="3600450"/>
-          </a:xfrm>
-          <a:prstGeom prst="rect">
-            <a:avLst/>
-          </a:prstGeom>
-        </p:spPr>
-        <p:txBody>
-          <a:bodyPr anchorCtr="0" anchor="t" bIns="45700" lIns="91425" spcFirstLastPara="1" rIns="91425" wrap="square" tIns="45700">
-            <a:noAutofit/>
-          </a:bodyPr>
-          <a:lstStyle/>
-          <a:p>
-            <a:pPr indent="0" lvl="0" marL="0" rtl="0" algn="l">
-              <a:spcBef>
-                <a:spcPts val="0"/>
-              </a:spcBef>
-              <a:spcAft>
-                <a:spcPts val="0"/>
-              </a:spcAft>
-              <a:buNone/>
-            </a:pPr>
-            <a:r>
-              <a:t/>
-            </a:r>
-            <a:endParaRPr/>
-          </a:p>
-        </p:txBody>
-      </p:sp>
-      <p:sp>
-        <p:nvSpPr>
-          <p:cNvPr id="325" name="Google Shape;325;p10:notes"/>
+          <p:cNvPr id="324" name="Google Shape;324;g1e5158f16e7_0_7:notes"/>
           <p:cNvSpPr/>
           <p:nvPr>
             <p:ph idx="2" type="sldImg"/>
@@ -1700,6 +1686,85 @@
           </a:custGeom>
         </p:spPr>
       </p:sp>
+      <p:sp>
+        <p:nvSpPr>
+          <p:cNvPr id="325" name="Google Shape;325;g1e5158f16e7_0_7:notes"/>
+          <p:cNvSpPr txBox="1"/>
+          <p:nvPr>
+            <p:ph idx="1" type="body"/>
+          </p:nvPr>
+        </p:nvSpPr>
+        <p:spPr>
+          <a:xfrm>
+            <a:off x="685800" y="4400550"/>
+            <a:ext cx="5486400" cy="3600600"/>
+          </a:xfrm>
+          <a:prstGeom prst="rect">
+            <a:avLst/>
+          </a:prstGeom>
+        </p:spPr>
+        <p:txBody>
+          <a:bodyPr anchorCtr="0" anchor="t" bIns="45700" lIns="91425" spcFirstLastPara="1" rIns="91425" wrap="square" tIns="45700">
+            <a:noAutofit/>
+          </a:bodyPr>
+          <a:lstStyle/>
+          <a:p>
+            <a:pPr indent="0" lvl="0" marL="0" rtl="0" algn="l">
+              <a:spcBef>
+                <a:spcPts val="0"/>
+              </a:spcBef>
+              <a:spcAft>
+                <a:spcPts val="0"/>
+              </a:spcAft>
+              <a:buNone/>
+            </a:pPr>
+            <a:r>
+              <a:t/>
+            </a:r>
+            <a:endParaRPr/>
+          </a:p>
+        </p:txBody>
+      </p:sp>
+      <p:sp>
+        <p:nvSpPr>
+          <p:cNvPr id="326" name="Google Shape;326;g1e5158f16e7_0_7:notes"/>
+          <p:cNvSpPr txBox="1"/>
+          <p:nvPr>
+            <p:ph idx="12" type="sldNum"/>
+          </p:nvPr>
+        </p:nvSpPr>
+        <p:spPr>
+          <a:xfrm>
+            <a:off x="3884613" y="8685213"/>
+            <a:ext cx="2971800" cy="458700"/>
+          </a:xfrm>
+          <a:prstGeom prst="rect">
+            <a:avLst/>
+          </a:prstGeom>
+        </p:spPr>
+        <p:txBody>
+          <a:bodyPr anchorCtr="0" anchor="b" bIns="45700" lIns="91425" spcFirstLastPara="1" rIns="91425" wrap="square" tIns="45700">
+            <a:noAutofit/>
+          </a:bodyPr>
+          <a:lstStyle/>
+          <a:p>
+            <a:pPr indent="0" lvl="0" marL="0" rtl="0" algn="r">
+              <a:spcBef>
+                <a:spcPts val="0"/>
+              </a:spcBef>
+              <a:spcAft>
+                <a:spcPts val="0"/>
+              </a:spcAft>
+              <a:buNone/>
+            </a:pPr>
+            <a:fld id="{00000000-1234-1234-1234-123412341234}" type="slidenum">
+              <a:rPr lang="en-US"/>
+              <a:t>‹#›</a:t>
+            </a:fld>
+            <a:endParaRPr/>
+          </a:p>
+        </p:txBody>
+      </p:sp>
     </p:spTree>
   </p:cSld>
   <p:clrMapOvr>
@@ -1713,7 +1778,7 @@
   <p:cSld>
     <p:spTree>
       <p:nvGrpSpPr>
-        <p:cNvPr id="367" name="Shape 367"/>
+        <p:cNvPr id="330" name="Shape 330"/>
         <p:cNvGrpSpPr/>
         <p:nvPr/>
       </p:nvGrpSpPr>
@@ -1727,7 +1792,7 @@
       </p:grpSpPr>
       <p:sp>
         <p:nvSpPr>
-          <p:cNvPr id="368" name="Google Shape;368;p17:notes"/>
+          <p:cNvPr id="331" name="Google Shape;331;p10:notes"/>
           <p:cNvSpPr txBox="1"/>
           <p:nvPr>
             <p:ph idx="1" type="body"/>
@@ -1766,7 +1831,7 @@
       </p:sp>
       <p:sp>
         <p:nvSpPr>
-          <p:cNvPr id="369" name="Google Shape;369;p17:notes"/>
+          <p:cNvPr id="332" name="Google Shape;332;p10:notes"/>
           <p:cNvSpPr/>
           <p:nvPr>
             <p:ph idx="2" type="sldImg"/>
@@ -1812,7 +1877,7 @@
   <p:cSld>
     <p:spTree>
       <p:nvGrpSpPr>
-        <p:cNvPr id="466" name="Shape 466"/>
+        <p:cNvPr id="374" name="Shape 374"/>
         <p:cNvGrpSpPr/>
         <p:nvPr/>
       </p:nvGrpSpPr>
@@ -1826,7 +1891,7 @@
       </p:grpSpPr>
       <p:sp>
         <p:nvSpPr>
-          <p:cNvPr id="467" name="Google Shape;467;p27:notes"/>
+          <p:cNvPr id="375" name="Google Shape;375;p17:notes"/>
           <p:cNvSpPr txBox="1"/>
           <p:nvPr>
             <p:ph idx="1" type="body"/>
@@ -1865,7 +1930,106 @@
       </p:sp>
       <p:sp>
         <p:nvSpPr>
-          <p:cNvPr id="468" name="Google Shape;468;p27:notes"/>
+          <p:cNvPr id="376" name="Google Shape;376;p17:notes"/>
+          <p:cNvSpPr/>
+          <p:nvPr>
+            <p:ph idx="2" type="sldImg"/>
+          </p:nvPr>
+        </p:nvSpPr>
+        <p:spPr>
+          <a:xfrm>
+            <a:off x="685800" y="1143000"/>
+            <a:ext cx="5486400" cy="3086100"/>
+          </a:xfrm>
+          <a:custGeom>
+            <a:rect b="b" l="l" r="r" t="t"/>
+            <a:pathLst>
+              <a:path extrusionOk="0" h="120000" w="120000">
+                <a:moveTo>
+                  <a:pt x="0" y="0"/>
+                </a:moveTo>
+                <a:lnTo>
+                  <a:pt x="120000" y="0"/>
+                </a:lnTo>
+                <a:lnTo>
+                  <a:pt x="120000" y="120000"/>
+                </a:lnTo>
+                <a:lnTo>
+                  <a:pt x="0" y="120000"/>
+                </a:lnTo>
+                <a:close/>
+              </a:path>
+            </a:pathLst>
+          </a:custGeom>
+        </p:spPr>
+      </p:sp>
+    </p:spTree>
+  </p:cSld>
+  <p:clrMapOvr>
+    <a:masterClrMapping/>
+  </p:clrMapOvr>
+</p:notes>
+</file>
+
+<file path=ppt/notesSlides/notesSlide13.xml><?xml version="1.0" encoding="utf-8"?>
+<p:notes xmlns:a="http://schemas.openxmlformats.org/drawingml/2006/main" xmlns:r="http://schemas.openxmlformats.org/officeDocument/2006/relationships" xmlns:mc="http://schemas.openxmlformats.org/markup-compatibility/2006" xmlns:mv="urn:schemas-microsoft-com:mac:vml" xmlns:p="http://schemas.openxmlformats.org/presentationml/2006/main" xmlns:c="http://schemas.openxmlformats.org/drawingml/2006/chart" xmlns:dgm="http://schemas.openxmlformats.org/drawingml/2006/diagram" xmlns:o="urn:schemas-microsoft-com:office:office" xmlns:v="urn:schemas-microsoft-com:vml" xmlns:pvml="urn:schemas-microsoft-com:office:powerpoint" xmlns:com="http://schemas.openxmlformats.org/drawingml/2006/compatibility" xmlns:p14="http://schemas.microsoft.com/office/powerpoint/2010/main" xmlns:p15="http://schemas.microsoft.com/office/powerpoint/2012/main" xmlns:ahyp="http://schemas.microsoft.com/office/drawing/2018/hyperlinkcolor" showMasterPhAnim="0" showMasterSp="0">
+  <p:cSld>
+    <p:spTree>
+      <p:nvGrpSpPr>
+        <p:cNvPr id="473" name="Shape 473"/>
+        <p:cNvGrpSpPr/>
+        <p:nvPr/>
+      </p:nvGrpSpPr>
+      <p:grpSpPr>
+        <a:xfrm>
+          <a:off x="0" y="0"/>
+          <a:ext cx="0" cy="0"/>
+          <a:chOff x="0" y="0"/>
+          <a:chExt cx="0" cy="0"/>
+        </a:xfrm>
+      </p:grpSpPr>
+      <p:sp>
+        <p:nvSpPr>
+          <p:cNvPr id="474" name="Google Shape;474;p27:notes"/>
+          <p:cNvSpPr txBox="1"/>
+          <p:nvPr>
+            <p:ph idx="1" type="body"/>
+          </p:nvPr>
+        </p:nvSpPr>
+        <p:spPr>
+          <a:xfrm>
+            <a:off x="685800" y="4400550"/>
+            <a:ext cx="5486400" cy="3600450"/>
+          </a:xfrm>
+          <a:prstGeom prst="rect">
+            <a:avLst/>
+          </a:prstGeom>
+        </p:spPr>
+        <p:txBody>
+          <a:bodyPr anchorCtr="0" anchor="t" bIns="45700" lIns="91425" spcFirstLastPara="1" rIns="91425" wrap="square" tIns="45700">
+            <a:noAutofit/>
+          </a:bodyPr>
+          <a:lstStyle/>
+          <a:p>
+            <a:pPr indent="0" lvl="0" marL="0" rtl="0" algn="l">
+              <a:spcBef>
+                <a:spcPts val="0"/>
+              </a:spcBef>
+              <a:spcAft>
+                <a:spcPts val="0"/>
+              </a:spcAft>
+              <a:buNone/>
+            </a:pPr>
+            <a:r>
+              <a:t/>
+            </a:r>
+            <a:endParaRPr/>
+          </a:p>
+        </p:txBody>
+      </p:sp>
+      <p:sp>
+        <p:nvSpPr>
+          <p:cNvPr id="475" name="Google Shape;475;p27:notes"/>
           <p:cNvSpPr/>
           <p:nvPr>
             <p:ph idx="2" type="sldImg"/>
@@ -12397,7 +12561,135 @@
   <p:cSld>
     <p:spTree>
       <p:nvGrpSpPr>
-        <p:cNvPr id="326" name="Shape 326"/>
+        <p:cNvPr id="327" name="Shape 327"/>
+        <p:cNvGrpSpPr/>
+        <p:nvPr/>
+      </p:nvGrpSpPr>
+      <p:grpSpPr>
+        <a:xfrm>
+          <a:off x="0" y="0"/>
+          <a:ext cx="0" cy="0"/>
+          <a:chOff x="0" y="0"/>
+          <a:chExt cx="0" cy="0"/>
+        </a:xfrm>
+      </p:grpSpPr>
+      <p:sp>
+        <p:nvSpPr>
+          <p:cNvPr id="328" name="Google Shape;328;p22"/>
+          <p:cNvSpPr txBox="1"/>
+          <p:nvPr>
+            <p:ph idx="2" type="body"/>
+          </p:nvPr>
+        </p:nvSpPr>
+        <p:spPr>
+          <a:xfrm>
+            <a:off x="9773425" y="3167850"/>
+            <a:ext cx="6112200" cy="3951300"/>
+          </a:xfrm>
+          <a:prstGeom prst="rect">
+            <a:avLst/>
+          </a:prstGeom>
+        </p:spPr>
+        <p:txBody>
+          <a:bodyPr anchorCtr="0" anchor="t" bIns="45700" lIns="91425" spcFirstLastPara="1" rIns="91425" wrap="square" tIns="45700">
+            <a:normAutofit/>
+          </a:bodyPr>
+          <a:lstStyle/>
+          <a:p>
+            <a:pPr indent="-457200" lvl="0" marL="457200" rtl="0" algn="just">
+              <a:spcBef>
+                <a:spcPts val="480"/>
+              </a:spcBef>
+              <a:spcAft>
+                <a:spcPts val="0"/>
+              </a:spcAft>
+              <a:buSzPts val="3600"/>
+              <a:buChar char="-"/>
+            </a:pPr>
+            <a:r>
+              <a:rPr lang="en-US" sz="3600"/>
+              <a:t>Loop principal</a:t>
+            </a:r>
+            <a:endParaRPr sz="3600"/>
+          </a:p>
+          <a:p>
+            <a:pPr indent="-457200" lvl="0" marL="457200" rtl="0" algn="just">
+              <a:spcBef>
+                <a:spcPts val="0"/>
+              </a:spcBef>
+              <a:spcAft>
+                <a:spcPts val="0"/>
+              </a:spcAft>
+              <a:buSzPts val="3600"/>
+              <a:buChar char="-"/>
+            </a:pPr>
+            <a:r>
+              <a:rPr lang="en-US" sz="3600"/>
+              <a:t>Exploração dos vizinhos</a:t>
+            </a:r>
+            <a:endParaRPr sz="3600"/>
+          </a:p>
+          <a:p>
+            <a:pPr indent="-457200" lvl="0" marL="457200" rtl="0" algn="just">
+              <a:spcBef>
+                <a:spcPts val="0"/>
+              </a:spcBef>
+              <a:spcAft>
+                <a:spcPts val="0"/>
+              </a:spcAft>
+              <a:buSzPts val="3600"/>
+              <a:buChar char="-"/>
+            </a:pPr>
+            <a:r>
+              <a:rPr lang="en-US" sz="3600"/>
+              <a:t>Verificação do objetivo</a:t>
+            </a:r>
+            <a:endParaRPr sz="3600"/>
+          </a:p>
+        </p:txBody>
+      </p:sp>
+      <p:pic>
+        <p:nvPicPr>
+          <p:cNvPr id="329" name="Google Shape;329;p22"/>
+          <p:cNvPicPr preferRelativeResize="0"/>
+          <p:nvPr/>
+        </p:nvPicPr>
+        <p:blipFill>
+          <a:blip r:embed="rId3">
+            <a:alphaModFix/>
+          </a:blip>
+          <a:stretch>
+            <a:fillRect/>
+          </a:stretch>
+        </p:blipFill>
+        <p:spPr>
+          <a:xfrm>
+            <a:off x="353550" y="458050"/>
+            <a:ext cx="8436901" cy="9370875"/>
+          </a:xfrm>
+          <a:prstGeom prst="rect">
+            <a:avLst/>
+          </a:prstGeom>
+          <a:noFill/>
+          <a:ln>
+            <a:noFill/>
+          </a:ln>
+        </p:spPr>
+      </p:pic>
+    </p:spTree>
+  </p:cSld>
+  <p:clrMapOvr>
+    <a:masterClrMapping/>
+  </p:clrMapOvr>
+</p:sld>
+</file>
+
+<file path=ppt/slides/slide11.xml><?xml version="1.0" encoding="utf-8"?>
+<p:sld xmlns:a="http://schemas.openxmlformats.org/drawingml/2006/main" xmlns:r="http://schemas.openxmlformats.org/officeDocument/2006/relationships" xmlns:mc="http://schemas.openxmlformats.org/markup-compatibility/2006" xmlns:mv="urn:schemas-microsoft-com:mac:vml" xmlns:p="http://schemas.openxmlformats.org/presentationml/2006/main" xmlns:c="http://schemas.openxmlformats.org/drawingml/2006/chart" xmlns:dgm="http://schemas.openxmlformats.org/drawingml/2006/diagram" xmlns:o="urn:schemas-microsoft-com:office:office" xmlns:v="urn:schemas-microsoft-com:vml" xmlns:pvml="urn:schemas-microsoft-com:office:powerpoint" xmlns:com="http://schemas.openxmlformats.org/drawingml/2006/compatibility" xmlns:p14="http://schemas.microsoft.com/office/powerpoint/2010/main" xmlns:p15="http://schemas.microsoft.com/office/powerpoint/2012/main" xmlns:ahyp="http://schemas.microsoft.com/office/drawing/2018/hyperlinkcolor">
+  <p:cSld>
+    <p:spTree>
+      <p:nvGrpSpPr>
+        <p:cNvPr id="333" name="Shape 333"/>
         <p:cNvGrpSpPr/>
         <p:nvPr/>
       </p:nvGrpSpPr>
@@ -12411,7 +12703,7 @@
       </p:grpSpPr>
       <p:pic>
         <p:nvPicPr>
-          <p:cNvPr id="327" name="Google Shape;327;p22"/>
+          <p:cNvPr id="334" name="Google Shape;334;p23"/>
           <p:cNvPicPr preferRelativeResize="0"/>
           <p:nvPr/>
         </p:nvPicPr>
@@ -12438,7 +12730,7 @@
       </p:pic>
       <p:grpSp>
         <p:nvGrpSpPr>
-          <p:cNvPr id="328" name="Google Shape;328;p22"/>
+          <p:cNvPr id="335" name="Google Shape;335;p23"/>
           <p:cNvGrpSpPr/>
           <p:nvPr/>
         </p:nvGrpSpPr>
@@ -12452,7 +12744,7 @@
         </p:grpSpPr>
         <p:sp>
           <p:nvSpPr>
-            <p:cNvPr id="329" name="Google Shape;329;p22"/>
+            <p:cNvPr id="336" name="Google Shape;336;p23"/>
             <p:cNvSpPr/>
             <p:nvPr/>
           </p:nvSpPr>
@@ -12491,7 +12783,7 @@
         </p:sp>
         <p:sp>
           <p:nvSpPr>
-            <p:cNvPr id="330" name="Google Shape;330;p22"/>
+            <p:cNvPr id="337" name="Google Shape;337;p23"/>
             <p:cNvSpPr txBox="1"/>
             <p:nvPr/>
           </p:nvSpPr>
@@ -12544,7 +12836,7 @@
       </p:grpSp>
       <p:grpSp>
         <p:nvGrpSpPr>
-          <p:cNvPr id="331" name="Google Shape;331;p22"/>
+          <p:cNvPr id="338" name="Google Shape;338;p23"/>
           <p:cNvGrpSpPr/>
           <p:nvPr/>
         </p:nvGrpSpPr>
@@ -12558,7 +12850,7 @@
         </p:grpSpPr>
         <p:sp>
           <p:nvSpPr>
-            <p:cNvPr id="332" name="Google Shape;332;p22"/>
+            <p:cNvPr id="339" name="Google Shape;339;p23"/>
             <p:cNvSpPr/>
             <p:nvPr/>
           </p:nvSpPr>
@@ -12597,7 +12889,7 @@
         </p:sp>
         <p:sp>
           <p:nvSpPr>
-            <p:cNvPr id="333" name="Google Shape;333;p22"/>
+            <p:cNvPr id="340" name="Google Shape;340;p23"/>
             <p:cNvSpPr txBox="1"/>
             <p:nvPr/>
           </p:nvSpPr>
@@ -12650,7 +12942,7 @@
       </p:grpSp>
       <p:sp>
         <p:nvSpPr>
-          <p:cNvPr id="334" name="Google Shape;334;p22"/>
+          <p:cNvPr id="341" name="Google Shape;341;p23"/>
           <p:cNvSpPr txBox="1"/>
           <p:nvPr/>
         </p:nvSpPr>
@@ -12703,7 +12995,7 @@
       </p:sp>
       <p:grpSp>
         <p:nvGrpSpPr>
-          <p:cNvPr id="335" name="Google Shape;335;p22"/>
+          <p:cNvPr id="342" name="Google Shape;342;p23"/>
           <p:cNvGrpSpPr/>
           <p:nvPr/>
         </p:nvGrpSpPr>
@@ -12717,7 +13009,7 @@
         </p:grpSpPr>
         <p:grpSp>
           <p:nvGrpSpPr>
-            <p:cNvPr id="336" name="Google Shape;336;p22"/>
+            <p:cNvPr id="343" name="Google Shape;343;p23"/>
             <p:cNvGrpSpPr/>
             <p:nvPr/>
           </p:nvGrpSpPr>
@@ -12731,7 +13023,7 @@
           </p:grpSpPr>
           <p:sp>
             <p:nvSpPr>
-              <p:cNvPr id="337" name="Google Shape;337;p22"/>
+              <p:cNvPr id="344" name="Google Shape;344;p23"/>
               <p:cNvSpPr/>
               <p:nvPr/>
             </p:nvSpPr>
@@ -12802,7 +13094,7 @@
           </p:sp>
           <p:sp>
             <p:nvSpPr>
-              <p:cNvPr id="338" name="Google Shape;338;p22"/>
+              <p:cNvPr id="345" name="Google Shape;345;p23"/>
               <p:cNvSpPr txBox="1"/>
               <p:nvPr/>
             </p:nvSpPr>
@@ -12855,7 +13147,7 @@
         </p:grpSp>
         <p:grpSp>
           <p:nvGrpSpPr>
-            <p:cNvPr id="339" name="Google Shape;339;p22"/>
+            <p:cNvPr id="346" name="Google Shape;346;p23"/>
             <p:cNvGrpSpPr/>
             <p:nvPr/>
           </p:nvGrpSpPr>
@@ -12869,7 +13161,7 @@
           </p:grpSpPr>
           <p:sp>
             <p:nvSpPr>
-              <p:cNvPr id="340" name="Google Shape;340;p22"/>
+              <p:cNvPr id="347" name="Google Shape;347;p23"/>
               <p:cNvSpPr/>
               <p:nvPr/>
             </p:nvSpPr>
@@ -12940,7 +13232,7 @@
           </p:sp>
           <p:sp>
             <p:nvSpPr>
-              <p:cNvPr id="341" name="Google Shape;341;p22"/>
+              <p:cNvPr id="348" name="Google Shape;348;p23"/>
               <p:cNvSpPr txBox="1"/>
               <p:nvPr/>
             </p:nvSpPr>
@@ -12993,7 +13285,7 @@
         </p:grpSp>
         <p:grpSp>
           <p:nvGrpSpPr>
-            <p:cNvPr id="342" name="Google Shape;342;p22"/>
+            <p:cNvPr id="349" name="Google Shape;349;p23"/>
             <p:cNvGrpSpPr/>
             <p:nvPr/>
           </p:nvGrpSpPr>
@@ -13007,7 +13299,7 @@
           </p:grpSpPr>
           <p:sp>
             <p:nvSpPr>
-              <p:cNvPr id="343" name="Google Shape;343;p22"/>
+              <p:cNvPr id="350" name="Google Shape;350;p23"/>
               <p:cNvSpPr/>
               <p:nvPr/>
             </p:nvSpPr>
@@ -13078,7 +13370,7 @@
           </p:sp>
           <p:sp>
             <p:nvSpPr>
-              <p:cNvPr id="344" name="Google Shape;344;p22"/>
+              <p:cNvPr id="351" name="Google Shape;351;p23"/>
               <p:cNvSpPr txBox="1"/>
               <p:nvPr/>
             </p:nvSpPr>
@@ -13131,7 +13423,7 @@
         </p:grpSp>
         <p:grpSp>
           <p:nvGrpSpPr>
-            <p:cNvPr id="345" name="Google Shape;345;p22"/>
+            <p:cNvPr id="352" name="Google Shape;352;p23"/>
             <p:cNvGrpSpPr/>
             <p:nvPr/>
           </p:nvGrpSpPr>
@@ -13145,7 +13437,7 @@
           </p:grpSpPr>
           <p:sp>
             <p:nvSpPr>
-              <p:cNvPr id="346" name="Google Shape;346;p22"/>
+              <p:cNvPr id="353" name="Google Shape;353;p23"/>
               <p:cNvSpPr/>
               <p:nvPr/>
             </p:nvSpPr>
@@ -13216,7 +13508,7 @@
           </p:sp>
           <p:sp>
             <p:nvSpPr>
-              <p:cNvPr id="347" name="Google Shape;347;p22"/>
+              <p:cNvPr id="354" name="Google Shape;354;p23"/>
               <p:cNvSpPr txBox="1"/>
               <p:nvPr/>
             </p:nvSpPr>
@@ -13269,7 +13561,7 @@
         </p:grpSp>
         <p:grpSp>
           <p:nvGrpSpPr>
-            <p:cNvPr id="348" name="Google Shape;348;p22"/>
+            <p:cNvPr id="355" name="Google Shape;355;p23"/>
             <p:cNvGrpSpPr/>
             <p:nvPr/>
           </p:nvGrpSpPr>
@@ -13283,7 +13575,7 @@
           </p:grpSpPr>
           <p:sp>
             <p:nvSpPr>
-              <p:cNvPr id="349" name="Google Shape;349;p22"/>
+              <p:cNvPr id="356" name="Google Shape;356;p23"/>
               <p:cNvSpPr/>
               <p:nvPr/>
             </p:nvSpPr>
@@ -13354,7 +13646,7 @@
           </p:sp>
           <p:sp>
             <p:nvSpPr>
-              <p:cNvPr id="350" name="Google Shape;350;p22"/>
+              <p:cNvPr id="357" name="Google Shape;357;p23"/>
               <p:cNvSpPr txBox="1"/>
               <p:nvPr/>
             </p:nvSpPr>
@@ -13408,7 +13700,7 @@
       </p:grpSp>
       <p:grpSp>
         <p:nvGrpSpPr>
-          <p:cNvPr id="351" name="Google Shape;351;p22"/>
+          <p:cNvPr id="358" name="Google Shape;358;p23"/>
           <p:cNvGrpSpPr/>
           <p:nvPr/>
         </p:nvGrpSpPr>
@@ -13422,7 +13714,7 @@
         </p:grpSpPr>
         <p:grpSp>
           <p:nvGrpSpPr>
-            <p:cNvPr id="352" name="Google Shape;352;p22"/>
+            <p:cNvPr id="359" name="Google Shape;359;p23"/>
             <p:cNvGrpSpPr/>
             <p:nvPr/>
           </p:nvGrpSpPr>
@@ -13436,7 +13728,7 @@
           </p:grpSpPr>
           <p:sp>
             <p:nvSpPr>
-              <p:cNvPr id="353" name="Google Shape;353;p22"/>
+              <p:cNvPr id="360" name="Google Shape;360;p23"/>
               <p:cNvSpPr/>
               <p:nvPr/>
             </p:nvSpPr>
@@ -13507,7 +13799,7 @@
           </p:sp>
           <p:sp>
             <p:nvSpPr>
-              <p:cNvPr id="354" name="Google Shape;354;p22"/>
+              <p:cNvPr id="361" name="Google Shape;361;p23"/>
               <p:cNvSpPr txBox="1"/>
               <p:nvPr/>
             </p:nvSpPr>
@@ -13560,7 +13852,7 @@
         </p:grpSp>
         <p:grpSp>
           <p:nvGrpSpPr>
-            <p:cNvPr id="355" name="Google Shape;355;p22"/>
+            <p:cNvPr id="362" name="Google Shape;362;p23"/>
             <p:cNvGrpSpPr/>
             <p:nvPr/>
           </p:nvGrpSpPr>
@@ -13574,7 +13866,7 @@
           </p:grpSpPr>
           <p:sp>
             <p:nvSpPr>
-              <p:cNvPr id="356" name="Google Shape;356;p22"/>
+              <p:cNvPr id="363" name="Google Shape;363;p23"/>
               <p:cNvSpPr/>
               <p:nvPr/>
             </p:nvSpPr>
@@ -13645,7 +13937,7 @@
           </p:sp>
           <p:sp>
             <p:nvSpPr>
-              <p:cNvPr id="357" name="Google Shape;357;p22"/>
+              <p:cNvPr id="364" name="Google Shape;364;p23"/>
               <p:cNvSpPr txBox="1"/>
               <p:nvPr/>
             </p:nvSpPr>
@@ -13698,7 +13990,7 @@
         </p:grpSp>
         <p:grpSp>
           <p:nvGrpSpPr>
-            <p:cNvPr id="358" name="Google Shape;358;p22"/>
+            <p:cNvPr id="365" name="Google Shape;365;p23"/>
             <p:cNvGrpSpPr/>
             <p:nvPr/>
           </p:nvGrpSpPr>
@@ -13712,7 +14004,7 @@
           </p:grpSpPr>
           <p:sp>
             <p:nvSpPr>
-              <p:cNvPr id="359" name="Google Shape;359;p22"/>
+              <p:cNvPr id="366" name="Google Shape;366;p23"/>
               <p:cNvSpPr/>
               <p:nvPr/>
             </p:nvSpPr>
@@ -13783,7 +14075,7 @@
           </p:sp>
           <p:sp>
             <p:nvSpPr>
-              <p:cNvPr id="360" name="Google Shape;360;p22"/>
+              <p:cNvPr id="367" name="Google Shape;367;p23"/>
               <p:cNvSpPr txBox="1"/>
               <p:nvPr/>
             </p:nvSpPr>
@@ -13836,7 +14128,7 @@
         </p:grpSp>
         <p:grpSp>
           <p:nvGrpSpPr>
-            <p:cNvPr id="361" name="Google Shape;361;p22"/>
+            <p:cNvPr id="368" name="Google Shape;368;p23"/>
             <p:cNvGrpSpPr/>
             <p:nvPr/>
           </p:nvGrpSpPr>
@@ -13850,7 +14142,7 @@
           </p:grpSpPr>
           <p:sp>
             <p:nvSpPr>
-              <p:cNvPr id="362" name="Google Shape;362;p22"/>
+              <p:cNvPr id="369" name="Google Shape;369;p23"/>
               <p:cNvSpPr/>
               <p:nvPr/>
             </p:nvSpPr>
@@ -13921,7 +14213,7 @@
           </p:sp>
           <p:sp>
             <p:nvSpPr>
-              <p:cNvPr id="363" name="Google Shape;363;p22"/>
+              <p:cNvPr id="370" name="Google Shape;370;p23"/>
               <p:cNvSpPr txBox="1"/>
               <p:nvPr/>
             </p:nvSpPr>
@@ -13974,7 +14266,7 @@
         </p:grpSp>
         <p:grpSp>
           <p:nvGrpSpPr>
-            <p:cNvPr id="364" name="Google Shape;364;p22"/>
+            <p:cNvPr id="371" name="Google Shape;371;p23"/>
             <p:cNvGrpSpPr/>
             <p:nvPr/>
           </p:nvGrpSpPr>
@@ -13988,7 +14280,7 @@
           </p:grpSpPr>
           <p:sp>
             <p:nvSpPr>
-              <p:cNvPr id="365" name="Google Shape;365;p22"/>
+              <p:cNvPr id="372" name="Google Shape;372;p23"/>
               <p:cNvSpPr/>
               <p:nvPr/>
             </p:nvSpPr>
@@ -14059,7 +14351,7 @@
           </p:sp>
           <p:sp>
             <p:nvSpPr>
-              <p:cNvPr id="366" name="Google Shape;366;p22"/>
+              <p:cNvPr id="373" name="Google Shape;373;p23"/>
               <p:cNvSpPr txBox="1"/>
               <p:nvPr/>
             </p:nvSpPr>
@@ -14119,12 +14411,12 @@
 </p:sld>
 </file>
 
-<file path=ppt/slides/slide11.xml><?xml version="1.0" encoding="utf-8"?>
+<file path=ppt/slides/slide12.xml><?xml version="1.0" encoding="utf-8"?>
 <p:sld xmlns:a="http://schemas.openxmlformats.org/drawingml/2006/main" xmlns:r="http://schemas.openxmlformats.org/officeDocument/2006/relationships" xmlns:mc="http://schemas.openxmlformats.org/markup-compatibility/2006" xmlns:mv="urn:schemas-microsoft-com:mac:vml" xmlns:p="http://schemas.openxmlformats.org/presentationml/2006/main" xmlns:c="http://schemas.openxmlformats.org/drawingml/2006/chart" xmlns:dgm="http://schemas.openxmlformats.org/drawingml/2006/diagram" xmlns:o="urn:schemas-microsoft-com:office:office" xmlns:v="urn:schemas-microsoft-com:vml" xmlns:pvml="urn:schemas-microsoft-com:office:powerpoint" xmlns:com="http://schemas.openxmlformats.org/drawingml/2006/compatibility" xmlns:p14="http://schemas.microsoft.com/office/powerpoint/2010/main" xmlns:p15="http://schemas.microsoft.com/office/powerpoint/2012/main" xmlns:ahyp="http://schemas.microsoft.com/office/drawing/2018/hyperlinkcolor">
   <p:cSld>
     <p:spTree>
       <p:nvGrpSpPr>
-        <p:cNvPr id="370" name="Shape 370"/>
+        <p:cNvPr id="377" name="Shape 377"/>
         <p:cNvGrpSpPr/>
         <p:nvPr/>
       </p:nvGrpSpPr>
@@ -14138,7 +14430,7 @@
       </p:grpSpPr>
       <p:grpSp>
         <p:nvGrpSpPr>
-          <p:cNvPr id="371" name="Google Shape;371;p23"/>
+          <p:cNvPr id="378" name="Google Shape;378;p24"/>
           <p:cNvGrpSpPr/>
           <p:nvPr/>
         </p:nvGrpSpPr>
@@ -14152,7 +14444,7 @@
         </p:grpSpPr>
         <p:sp>
           <p:nvSpPr>
-            <p:cNvPr id="372" name="Google Shape;372;p23"/>
+            <p:cNvPr id="379" name="Google Shape;379;p24"/>
             <p:cNvSpPr/>
             <p:nvPr/>
           </p:nvSpPr>
@@ -14191,7 +14483,7 @@
         </p:sp>
         <p:sp>
           <p:nvSpPr>
-            <p:cNvPr id="373" name="Google Shape;373;p23"/>
+            <p:cNvPr id="380" name="Google Shape;380;p24"/>
             <p:cNvSpPr txBox="1"/>
             <p:nvPr/>
           </p:nvSpPr>
@@ -14244,7 +14536,7 @@
       </p:grpSp>
       <p:sp>
         <p:nvSpPr>
-          <p:cNvPr id="374" name="Google Shape;374;p23"/>
+          <p:cNvPr id="381" name="Google Shape;381;p24"/>
           <p:cNvSpPr txBox="1"/>
           <p:nvPr/>
         </p:nvSpPr>
@@ -14297,7 +14589,7 @@
       </p:sp>
       <p:grpSp>
         <p:nvGrpSpPr>
-          <p:cNvPr id="375" name="Google Shape;375;p23"/>
+          <p:cNvPr id="382" name="Google Shape;382;p24"/>
           <p:cNvGrpSpPr/>
           <p:nvPr/>
         </p:nvGrpSpPr>
@@ -14311,7 +14603,7 @@
         </p:grpSpPr>
         <p:grpSp>
           <p:nvGrpSpPr>
-            <p:cNvPr id="376" name="Google Shape;376;p23"/>
+            <p:cNvPr id="383" name="Google Shape;383;p24"/>
             <p:cNvGrpSpPr/>
             <p:nvPr/>
           </p:nvGrpSpPr>
@@ -14325,7 +14617,7 @@
           </p:grpSpPr>
           <p:sp>
             <p:nvSpPr>
-              <p:cNvPr id="377" name="Google Shape;377;p23"/>
+              <p:cNvPr id="384" name="Google Shape;384;p24"/>
               <p:cNvSpPr/>
               <p:nvPr/>
             </p:nvSpPr>
@@ -14396,7 +14688,7 @@
           </p:sp>
           <p:sp>
             <p:nvSpPr>
-              <p:cNvPr id="378" name="Google Shape;378;p23"/>
+              <p:cNvPr id="385" name="Google Shape;385;p24"/>
               <p:cNvSpPr txBox="1"/>
               <p:nvPr/>
             </p:nvSpPr>
@@ -14449,7 +14741,7 @@
         </p:grpSp>
         <p:grpSp>
           <p:nvGrpSpPr>
-            <p:cNvPr id="379" name="Google Shape;379;p23"/>
+            <p:cNvPr id="386" name="Google Shape;386;p24"/>
             <p:cNvGrpSpPr/>
             <p:nvPr/>
           </p:nvGrpSpPr>
@@ -14463,7 +14755,7 @@
           </p:grpSpPr>
           <p:sp>
             <p:nvSpPr>
-              <p:cNvPr id="380" name="Google Shape;380;p23"/>
+              <p:cNvPr id="387" name="Google Shape;387;p24"/>
               <p:cNvSpPr/>
               <p:nvPr/>
             </p:nvSpPr>
@@ -14534,7 +14826,7 @@
           </p:sp>
           <p:sp>
             <p:nvSpPr>
-              <p:cNvPr id="381" name="Google Shape;381;p23"/>
+              <p:cNvPr id="388" name="Google Shape;388;p24"/>
               <p:cNvSpPr txBox="1"/>
               <p:nvPr/>
             </p:nvSpPr>
@@ -14587,7 +14879,7 @@
         </p:grpSp>
         <p:grpSp>
           <p:nvGrpSpPr>
-            <p:cNvPr id="382" name="Google Shape;382;p23"/>
+            <p:cNvPr id="389" name="Google Shape;389;p24"/>
             <p:cNvGrpSpPr/>
             <p:nvPr/>
           </p:nvGrpSpPr>
@@ -14601,7 +14893,7 @@
           </p:grpSpPr>
           <p:sp>
             <p:nvSpPr>
-              <p:cNvPr id="383" name="Google Shape;383;p23"/>
+              <p:cNvPr id="390" name="Google Shape;390;p24"/>
               <p:cNvSpPr/>
               <p:nvPr/>
             </p:nvSpPr>
@@ -14672,7 +14964,7 @@
           </p:sp>
           <p:sp>
             <p:nvSpPr>
-              <p:cNvPr id="384" name="Google Shape;384;p23"/>
+              <p:cNvPr id="391" name="Google Shape;391;p24"/>
               <p:cNvSpPr txBox="1"/>
               <p:nvPr/>
             </p:nvSpPr>
@@ -14725,7 +15017,7 @@
         </p:grpSp>
         <p:grpSp>
           <p:nvGrpSpPr>
-            <p:cNvPr id="385" name="Google Shape;385;p23"/>
+            <p:cNvPr id="392" name="Google Shape;392;p24"/>
             <p:cNvGrpSpPr/>
             <p:nvPr/>
           </p:nvGrpSpPr>
@@ -14739,7 +15031,7 @@
           </p:grpSpPr>
           <p:sp>
             <p:nvSpPr>
-              <p:cNvPr id="386" name="Google Shape;386;p23"/>
+              <p:cNvPr id="393" name="Google Shape;393;p24"/>
               <p:cNvSpPr/>
               <p:nvPr/>
             </p:nvSpPr>
@@ -14810,7 +15102,7 @@
           </p:sp>
           <p:sp>
             <p:nvSpPr>
-              <p:cNvPr id="387" name="Google Shape;387;p23"/>
+              <p:cNvPr id="394" name="Google Shape;394;p24"/>
               <p:cNvSpPr txBox="1"/>
               <p:nvPr/>
             </p:nvSpPr>
@@ -14863,7 +15155,7 @@
         </p:grpSp>
         <p:grpSp>
           <p:nvGrpSpPr>
-            <p:cNvPr id="388" name="Google Shape;388;p23"/>
+            <p:cNvPr id="395" name="Google Shape;395;p24"/>
             <p:cNvGrpSpPr/>
             <p:nvPr/>
           </p:nvGrpSpPr>
@@ -14877,7 +15169,7 @@
           </p:grpSpPr>
           <p:sp>
             <p:nvSpPr>
-              <p:cNvPr id="389" name="Google Shape;389;p23"/>
+              <p:cNvPr id="396" name="Google Shape;396;p24"/>
               <p:cNvSpPr/>
               <p:nvPr/>
             </p:nvSpPr>
@@ -14948,7 +15240,7 @@
           </p:sp>
           <p:sp>
             <p:nvSpPr>
-              <p:cNvPr id="390" name="Google Shape;390;p23"/>
+              <p:cNvPr id="397" name="Google Shape;397;p24"/>
               <p:cNvSpPr txBox="1"/>
               <p:nvPr/>
             </p:nvSpPr>
@@ -15001,7 +15293,7 @@
         </p:grpSp>
         <p:grpSp>
           <p:nvGrpSpPr>
-            <p:cNvPr id="391" name="Google Shape;391;p23"/>
+            <p:cNvPr id="398" name="Google Shape;398;p24"/>
             <p:cNvGrpSpPr/>
             <p:nvPr/>
           </p:nvGrpSpPr>
@@ -15015,7 +15307,7 @@
           </p:grpSpPr>
           <p:sp>
             <p:nvSpPr>
-              <p:cNvPr id="392" name="Google Shape;392;p23"/>
+              <p:cNvPr id="399" name="Google Shape;399;p24"/>
               <p:cNvSpPr/>
               <p:nvPr/>
             </p:nvSpPr>
@@ -15086,7 +15378,7 @@
           </p:sp>
           <p:sp>
             <p:nvSpPr>
-              <p:cNvPr id="393" name="Google Shape;393;p23"/>
+              <p:cNvPr id="400" name="Google Shape;400;p24"/>
               <p:cNvSpPr txBox="1"/>
               <p:nvPr/>
             </p:nvSpPr>
@@ -15139,7 +15431,7 @@
         </p:grpSp>
         <p:grpSp>
           <p:nvGrpSpPr>
-            <p:cNvPr id="394" name="Google Shape;394;p23"/>
+            <p:cNvPr id="401" name="Google Shape;401;p24"/>
             <p:cNvGrpSpPr/>
             <p:nvPr/>
           </p:nvGrpSpPr>
@@ -15153,7 +15445,7 @@
           </p:grpSpPr>
           <p:sp>
             <p:nvSpPr>
-              <p:cNvPr id="395" name="Google Shape;395;p23"/>
+              <p:cNvPr id="402" name="Google Shape;402;p24"/>
               <p:cNvSpPr/>
               <p:nvPr/>
             </p:nvSpPr>
@@ -15224,7 +15516,7 @@
           </p:sp>
           <p:sp>
             <p:nvSpPr>
-              <p:cNvPr id="396" name="Google Shape;396;p23"/>
+              <p:cNvPr id="403" name="Google Shape;403;p24"/>
               <p:cNvSpPr txBox="1"/>
               <p:nvPr/>
             </p:nvSpPr>
@@ -15277,7 +15569,7 @@
         </p:grpSp>
         <p:grpSp>
           <p:nvGrpSpPr>
-            <p:cNvPr id="397" name="Google Shape;397;p23"/>
+            <p:cNvPr id="404" name="Google Shape;404;p24"/>
             <p:cNvGrpSpPr/>
             <p:nvPr/>
           </p:nvGrpSpPr>
@@ -15291,7 +15583,7 @@
           </p:grpSpPr>
           <p:sp>
             <p:nvSpPr>
-              <p:cNvPr id="398" name="Google Shape;398;p23"/>
+              <p:cNvPr id="405" name="Google Shape;405;p24"/>
               <p:cNvSpPr/>
               <p:nvPr/>
             </p:nvSpPr>
@@ -15362,7 +15654,7 @@
           </p:sp>
           <p:sp>
             <p:nvSpPr>
-              <p:cNvPr id="399" name="Google Shape;399;p23"/>
+              <p:cNvPr id="406" name="Google Shape;406;p24"/>
               <p:cNvSpPr txBox="1"/>
               <p:nvPr/>
             </p:nvSpPr>
@@ -15415,7 +15707,7 @@
         </p:grpSp>
         <p:grpSp>
           <p:nvGrpSpPr>
-            <p:cNvPr id="400" name="Google Shape;400;p23"/>
+            <p:cNvPr id="407" name="Google Shape;407;p24"/>
             <p:cNvGrpSpPr/>
             <p:nvPr/>
           </p:nvGrpSpPr>
@@ -15429,7 +15721,7 @@
           </p:grpSpPr>
           <p:sp>
             <p:nvSpPr>
-              <p:cNvPr id="401" name="Google Shape;401;p23"/>
+              <p:cNvPr id="408" name="Google Shape;408;p24"/>
               <p:cNvSpPr/>
               <p:nvPr/>
             </p:nvSpPr>
@@ -15500,7 +15792,7 @@
           </p:sp>
           <p:sp>
             <p:nvSpPr>
-              <p:cNvPr id="402" name="Google Shape;402;p23"/>
+              <p:cNvPr id="409" name="Google Shape;409;p24"/>
               <p:cNvSpPr txBox="1"/>
               <p:nvPr/>
             </p:nvSpPr>
@@ -15553,7 +15845,7 @@
         </p:grpSp>
         <p:grpSp>
           <p:nvGrpSpPr>
-            <p:cNvPr id="403" name="Google Shape;403;p23"/>
+            <p:cNvPr id="410" name="Google Shape;410;p24"/>
             <p:cNvGrpSpPr/>
             <p:nvPr/>
           </p:nvGrpSpPr>
@@ -15567,7 +15859,7 @@
           </p:grpSpPr>
           <p:sp>
             <p:nvSpPr>
-              <p:cNvPr id="404" name="Google Shape;404;p23"/>
+              <p:cNvPr id="411" name="Google Shape;411;p24"/>
               <p:cNvSpPr/>
               <p:nvPr/>
             </p:nvSpPr>
@@ -15638,7 +15930,7 @@
           </p:sp>
           <p:sp>
             <p:nvSpPr>
-              <p:cNvPr id="405" name="Google Shape;405;p23"/>
+              <p:cNvPr id="412" name="Google Shape;412;p24"/>
               <p:cNvSpPr txBox="1"/>
               <p:nvPr/>
             </p:nvSpPr>
@@ -15692,7 +15984,7 @@
       </p:grpSp>
       <p:grpSp>
         <p:nvGrpSpPr>
-          <p:cNvPr id="406" name="Google Shape;406;p23"/>
+          <p:cNvPr id="413" name="Google Shape;413;p24"/>
           <p:cNvGrpSpPr/>
           <p:nvPr/>
         </p:nvGrpSpPr>
@@ -15706,7 +15998,7 @@
         </p:grpSpPr>
         <p:grpSp>
           <p:nvGrpSpPr>
-            <p:cNvPr id="407" name="Google Shape;407;p23"/>
+            <p:cNvPr id="414" name="Google Shape;414;p24"/>
             <p:cNvGrpSpPr/>
             <p:nvPr/>
           </p:nvGrpSpPr>
@@ -15720,7 +16012,7 @@
           </p:grpSpPr>
           <p:sp>
             <p:nvSpPr>
-              <p:cNvPr id="408" name="Google Shape;408;p23"/>
+              <p:cNvPr id="415" name="Google Shape;415;p24"/>
               <p:cNvSpPr/>
               <p:nvPr/>
             </p:nvSpPr>
@@ -15791,7 +16083,7 @@
           </p:sp>
           <p:sp>
             <p:nvSpPr>
-              <p:cNvPr id="409" name="Google Shape;409;p23"/>
+              <p:cNvPr id="416" name="Google Shape;416;p24"/>
               <p:cNvSpPr txBox="1"/>
               <p:nvPr/>
             </p:nvSpPr>
@@ -15844,7 +16136,7 @@
         </p:grpSp>
         <p:grpSp>
           <p:nvGrpSpPr>
-            <p:cNvPr id="410" name="Google Shape;410;p23"/>
+            <p:cNvPr id="417" name="Google Shape;417;p24"/>
             <p:cNvGrpSpPr/>
             <p:nvPr/>
           </p:nvGrpSpPr>
@@ -15858,7 +16150,7 @@
           </p:grpSpPr>
           <p:sp>
             <p:nvSpPr>
-              <p:cNvPr id="411" name="Google Shape;411;p23"/>
+              <p:cNvPr id="418" name="Google Shape;418;p24"/>
               <p:cNvSpPr/>
               <p:nvPr/>
             </p:nvSpPr>
@@ -15929,7 +16221,7 @@
           </p:sp>
           <p:sp>
             <p:nvSpPr>
-              <p:cNvPr id="412" name="Google Shape;412;p23"/>
+              <p:cNvPr id="419" name="Google Shape;419;p24"/>
               <p:cNvSpPr txBox="1"/>
               <p:nvPr/>
             </p:nvSpPr>
@@ -15982,7 +16274,7 @@
         </p:grpSp>
         <p:grpSp>
           <p:nvGrpSpPr>
-            <p:cNvPr id="413" name="Google Shape;413;p23"/>
+            <p:cNvPr id="420" name="Google Shape;420;p24"/>
             <p:cNvGrpSpPr/>
             <p:nvPr/>
           </p:nvGrpSpPr>
@@ -15996,7 +16288,7 @@
           </p:grpSpPr>
           <p:sp>
             <p:nvSpPr>
-              <p:cNvPr id="414" name="Google Shape;414;p23"/>
+              <p:cNvPr id="421" name="Google Shape;421;p24"/>
               <p:cNvSpPr/>
               <p:nvPr/>
             </p:nvSpPr>
@@ -16067,7 +16359,7 @@
           </p:sp>
           <p:sp>
             <p:nvSpPr>
-              <p:cNvPr id="415" name="Google Shape;415;p23"/>
+              <p:cNvPr id="422" name="Google Shape;422;p24"/>
               <p:cNvSpPr txBox="1"/>
               <p:nvPr/>
             </p:nvSpPr>
@@ -16120,7 +16412,7 @@
         </p:grpSp>
         <p:grpSp>
           <p:nvGrpSpPr>
-            <p:cNvPr id="416" name="Google Shape;416;p23"/>
+            <p:cNvPr id="423" name="Google Shape;423;p24"/>
             <p:cNvGrpSpPr/>
             <p:nvPr/>
           </p:nvGrpSpPr>
@@ -16134,7 +16426,7 @@
           </p:grpSpPr>
           <p:sp>
             <p:nvSpPr>
-              <p:cNvPr id="417" name="Google Shape;417;p23"/>
+              <p:cNvPr id="424" name="Google Shape;424;p24"/>
               <p:cNvSpPr/>
               <p:nvPr/>
             </p:nvSpPr>
@@ -16205,7 +16497,7 @@
           </p:sp>
           <p:sp>
             <p:nvSpPr>
-              <p:cNvPr id="418" name="Google Shape;418;p23"/>
+              <p:cNvPr id="425" name="Google Shape;425;p24"/>
               <p:cNvSpPr txBox="1"/>
               <p:nvPr/>
             </p:nvSpPr>
@@ -16258,7 +16550,7 @@
         </p:grpSp>
         <p:grpSp>
           <p:nvGrpSpPr>
-            <p:cNvPr id="419" name="Google Shape;419;p23"/>
+            <p:cNvPr id="426" name="Google Shape;426;p24"/>
             <p:cNvGrpSpPr/>
             <p:nvPr/>
           </p:nvGrpSpPr>
@@ -16272,7 +16564,7 @@
           </p:grpSpPr>
           <p:sp>
             <p:nvSpPr>
-              <p:cNvPr id="420" name="Google Shape;420;p23"/>
+              <p:cNvPr id="427" name="Google Shape;427;p24"/>
               <p:cNvSpPr/>
               <p:nvPr/>
             </p:nvSpPr>
@@ -16343,7 +16635,7 @@
           </p:sp>
           <p:sp>
             <p:nvSpPr>
-              <p:cNvPr id="421" name="Google Shape;421;p23"/>
+              <p:cNvPr id="428" name="Google Shape;428;p24"/>
               <p:cNvSpPr txBox="1"/>
               <p:nvPr/>
             </p:nvSpPr>
@@ -16396,7 +16688,7 @@
         </p:grpSp>
         <p:grpSp>
           <p:nvGrpSpPr>
-            <p:cNvPr id="422" name="Google Shape;422;p23"/>
+            <p:cNvPr id="429" name="Google Shape;429;p24"/>
             <p:cNvGrpSpPr/>
             <p:nvPr/>
           </p:nvGrpSpPr>
@@ -16410,7 +16702,7 @@
           </p:grpSpPr>
           <p:sp>
             <p:nvSpPr>
-              <p:cNvPr id="423" name="Google Shape;423;p23"/>
+              <p:cNvPr id="430" name="Google Shape;430;p24"/>
               <p:cNvSpPr/>
               <p:nvPr/>
             </p:nvSpPr>
@@ -16481,7 +16773,7 @@
           </p:sp>
           <p:sp>
             <p:nvSpPr>
-              <p:cNvPr id="424" name="Google Shape;424;p23"/>
+              <p:cNvPr id="431" name="Google Shape;431;p24"/>
               <p:cNvSpPr txBox="1"/>
               <p:nvPr/>
             </p:nvSpPr>
@@ -16534,7 +16826,7 @@
         </p:grpSp>
         <p:grpSp>
           <p:nvGrpSpPr>
-            <p:cNvPr id="425" name="Google Shape;425;p23"/>
+            <p:cNvPr id="432" name="Google Shape;432;p24"/>
             <p:cNvGrpSpPr/>
             <p:nvPr/>
           </p:nvGrpSpPr>
@@ -16548,7 +16840,7 @@
           </p:grpSpPr>
           <p:sp>
             <p:nvSpPr>
-              <p:cNvPr id="426" name="Google Shape;426;p23"/>
+              <p:cNvPr id="433" name="Google Shape;433;p24"/>
               <p:cNvSpPr/>
               <p:nvPr/>
             </p:nvSpPr>
@@ -16619,7 +16911,7 @@
           </p:sp>
           <p:sp>
             <p:nvSpPr>
-              <p:cNvPr id="427" name="Google Shape;427;p23"/>
+              <p:cNvPr id="434" name="Google Shape;434;p24"/>
               <p:cNvSpPr txBox="1"/>
               <p:nvPr/>
             </p:nvSpPr>
@@ -16672,7 +16964,7 @@
         </p:grpSp>
         <p:grpSp>
           <p:nvGrpSpPr>
-            <p:cNvPr id="428" name="Google Shape;428;p23"/>
+            <p:cNvPr id="435" name="Google Shape;435;p24"/>
             <p:cNvGrpSpPr/>
             <p:nvPr/>
           </p:nvGrpSpPr>
@@ -16686,7 +16978,7 @@
           </p:grpSpPr>
           <p:sp>
             <p:nvSpPr>
-              <p:cNvPr id="429" name="Google Shape;429;p23"/>
+              <p:cNvPr id="436" name="Google Shape;436;p24"/>
               <p:cNvSpPr/>
               <p:nvPr/>
             </p:nvSpPr>
@@ -16757,7 +17049,7 @@
           </p:sp>
           <p:sp>
             <p:nvSpPr>
-              <p:cNvPr id="430" name="Google Shape;430;p23"/>
+              <p:cNvPr id="437" name="Google Shape;437;p24"/>
               <p:cNvSpPr txBox="1"/>
               <p:nvPr/>
             </p:nvSpPr>
@@ -16810,7 +17102,7 @@
         </p:grpSp>
         <p:grpSp>
           <p:nvGrpSpPr>
-            <p:cNvPr id="431" name="Google Shape;431;p23"/>
+            <p:cNvPr id="438" name="Google Shape;438;p24"/>
             <p:cNvGrpSpPr/>
             <p:nvPr/>
           </p:nvGrpSpPr>
@@ -16824,7 +17116,7 @@
           </p:grpSpPr>
           <p:sp>
             <p:nvSpPr>
-              <p:cNvPr id="432" name="Google Shape;432;p23"/>
+              <p:cNvPr id="439" name="Google Shape;439;p24"/>
               <p:cNvSpPr/>
               <p:nvPr/>
             </p:nvSpPr>
@@ -16895,7 +17187,7 @@
           </p:sp>
           <p:sp>
             <p:nvSpPr>
-              <p:cNvPr id="433" name="Google Shape;433;p23"/>
+              <p:cNvPr id="440" name="Google Shape;440;p24"/>
               <p:cNvSpPr txBox="1"/>
               <p:nvPr/>
             </p:nvSpPr>
@@ -16949,7 +17241,7 @@
       </p:grpSp>
       <p:grpSp>
         <p:nvGrpSpPr>
-          <p:cNvPr id="434" name="Google Shape;434;p23"/>
+          <p:cNvPr id="441" name="Google Shape;441;p24"/>
           <p:cNvGrpSpPr/>
           <p:nvPr/>
         </p:nvGrpSpPr>
@@ -16963,7 +17255,7 @@
         </p:grpSpPr>
         <p:grpSp>
           <p:nvGrpSpPr>
-            <p:cNvPr id="435" name="Google Shape;435;p23"/>
+            <p:cNvPr id="442" name="Google Shape;442;p24"/>
             <p:cNvGrpSpPr/>
             <p:nvPr/>
           </p:nvGrpSpPr>
@@ -16977,7 +17269,7 @@
           </p:grpSpPr>
           <p:sp>
             <p:nvSpPr>
-              <p:cNvPr id="436" name="Google Shape;436;p23"/>
+              <p:cNvPr id="443" name="Google Shape;443;p24"/>
               <p:cNvSpPr/>
               <p:nvPr/>
             </p:nvSpPr>
@@ -17048,7 +17340,7 @@
           </p:sp>
           <p:sp>
             <p:nvSpPr>
-              <p:cNvPr id="437" name="Google Shape;437;p23"/>
+              <p:cNvPr id="444" name="Google Shape;444;p24"/>
               <p:cNvSpPr txBox="1"/>
               <p:nvPr/>
             </p:nvSpPr>
@@ -17101,7 +17393,7 @@
         </p:grpSp>
         <p:grpSp>
           <p:nvGrpSpPr>
-            <p:cNvPr id="438" name="Google Shape;438;p23"/>
+            <p:cNvPr id="445" name="Google Shape;445;p24"/>
             <p:cNvGrpSpPr/>
             <p:nvPr/>
           </p:nvGrpSpPr>
@@ -17115,7 +17407,7 @@
           </p:grpSpPr>
           <p:sp>
             <p:nvSpPr>
-              <p:cNvPr id="439" name="Google Shape;439;p23"/>
+              <p:cNvPr id="446" name="Google Shape;446;p24"/>
               <p:cNvSpPr/>
               <p:nvPr/>
             </p:nvSpPr>
@@ -17186,7 +17478,7 @@
           </p:sp>
           <p:sp>
             <p:nvSpPr>
-              <p:cNvPr id="440" name="Google Shape;440;p23"/>
+              <p:cNvPr id="447" name="Google Shape;447;p24"/>
               <p:cNvSpPr txBox="1"/>
               <p:nvPr/>
             </p:nvSpPr>
@@ -17239,7 +17531,7 @@
         </p:grpSp>
         <p:grpSp>
           <p:nvGrpSpPr>
-            <p:cNvPr id="441" name="Google Shape;441;p23"/>
+            <p:cNvPr id="448" name="Google Shape;448;p24"/>
             <p:cNvGrpSpPr/>
             <p:nvPr/>
           </p:nvGrpSpPr>
@@ -17253,7 +17545,7 @@
           </p:grpSpPr>
           <p:sp>
             <p:nvSpPr>
-              <p:cNvPr id="442" name="Google Shape;442;p23"/>
+              <p:cNvPr id="449" name="Google Shape;449;p24"/>
               <p:cNvSpPr/>
               <p:nvPr/>
             </p:nvSpPr>
@@ -17324,7 +17616,7 @@
           </p:sp>
           <p:sp>
             <p:nvSpPr>
-              <p:cNvPr id="443" name="Google Shape;443;p23"/>
+              <p:cNvPr id="450" name="Google Shape;450;p24"/>
               <p:cNvSpPr txBox="1"/>
               <p:nvPr/>
             </p:nvSpPr>
@@ -17377,7 +17669,7 @@
         </p:grpSp>
         <p:grpSp>
           <p:nvGrpSpPr>
-            <p:cNvPr id="444" name="Google Shape;444;p23"/>
+            <p:cNvPr id="451" name="Google Shape;451;p24"/>
             <p:cNvGrpSpPr/>
             <p:nvPr/>
           </p:nvGrpSpPr>
@@ -17391,7 +17683,7 @@
           </p:grpSpPr>
           <p:sp>
             <p:nvSpPr>
-              <p:cNvPr id="445" name="Google Shape;445;p23"/>
+              <p:cNvPr id="452" name="Google Shape;452;p24"/>
               <p:cNvSpPr/>
               <p:nvPr/>
             </p:nvSpPr>
@@ -17462,7 +17754,7 @@
           </p:sp>
           <p:sp>
             <p:nvSpPr>
-              <p:cNvPr id="446" name="Google Shape;446;p23"/>
+              <p:cNvPr id="453" name="Google Shape;453;p24"/>
               <p:cNvSpPr txBox="1"/>
               <p:nvPr/>
             </p:nvSpPr>
@@ -17515,7 +17807,7 @@
         </p:grpSp>
         <p:grpSp>
           <p:nvGrpSpPr>
-            <p:cNvPr id="447" name="Google Shape;447;p23"/>
+            <p:cNvPr id="454" name="Google Shape;454;p24"/>
             <p:cNvGrpSpPr/>
             <p:nvPr/>
           </p:nvGrpSpPr>
@@ -17529,7 +17821,7 @@
           </p:grpSpPr>
           <p:sp>
             <p:nvSpPr>
-              <p:cNvPr id="448" name="Google Shape;448;p23"/>
+              <p:cNvPr id="455" name="Google Shape;455;p24"/>
               <p:cNvSpPr/>
               <p:nvPr/>
             </p:nvSpPr>
@@ -17600,7 +17892,7 @@
           </p:sp>
           <p:sp>
             <p:nvSpPr>
-              <p:cNvPr id="449" name="Google Shape;449;p23"/>
+              <p:cNvPr id="456" name="Google Shape;456;p24"/>
               <p:cNvSpPr txBox="1"/>
               <p:nvPr/>
             </p:nvSpPr>
@@ -17654,7 +17946,7 @@
       </p:grpSp>
       <p:grpSp>
         <p:nvGrpSpPr>
-          <p:cNvPr id="450" name="Google Shape;450;p23"/>
+          <p:cNvPr id="457" name="Google Shape;457;p24"/>
           <p:cNvGrpSpPr/>
           <p:nvPr/>
         </p:nvGrpSpPr>
@@ -17668,7 +17960,7 @@
         </p:grpSpPr>
         <p:grpSp>
           <p:nvGrpSpPr>
-            <p:cNvPr id="451" name="Google Shape;451;p23"/>
+            <p:cNvPr id="458" name="Google Shape;458;p24"/>
             <p:cNvGrpSpPr/>
             <p:nvPr/>
           </p:nvGrpSpPr>
@@ -17682,7 +17974,7 @@
           </p:grpSpPr>
           <p:sp>
             <p:nvSpPr>
-              <p:cNvPr id="452" name="Google Shape;452;p23"/>
+              <p:cNvPr id="459" name="Google Shape;459;p24"/>
               <p:cNvSpPr/>
               <p:nvPr/>
             </p:nvSpPr>
@@ -17753,7 +18045,7 @@
           </p:sp>
           <p:sp>
             <p:nvSpPr>
-              <p:cNvPr id="453" name="Google Shape;453;p23"/>
+              <p:cNvPr id="460" name="Google Shape;460;p24"/>
               <p:cNvSpPr txBox="1"/>
               <p:nvPr/>
             </p:nvSpPr>
@@ -17806,7 +18098,7 @@
         </p:grpSp>
         <p:grpSp>
           <p:nvGrpSpPr>
-            <p:cNvPr id="454" name="Google Shape;454;p23"/>
+            <p:cNvPr id="461" name="Google Shape;461;p24"/>
             <p:cNvGrpSpPr/>
             <p:nvPr/>
           </p:nvGrpSpPr>
@@ -17820,7 +18112,7 @@
           </p:grpSpPr>
           <p:sp>
             <p:nvSpPr>
-              <p:cNvPr id="455" name="Google Shape;455;p23"/>
+              <p:cNvPr id="462" name="Google Shape;462;p24"/>
               <p:cNvSpPr/>
               <p:nvPr/>
             </p:nvSpPr>
@@ -17891,7 +18183,7 @@
           </p:sp>
           <p:sp>
             <p:nvSpPr>
-              <p:cNvPr id="456" name="Google Shape;456;p23"/>
+              <p:cNvPr id="463" name="Google Shape;463;p24"/>
               <p:cNvSpPr txBox="1"/>
               <p:nvPr/>
             </p:nvSpPr>
@@ -17944,7 +18236,7 @@
         </p:grpSp>
         <p:grpSp>
           <p:nvGrpSpPr>
-            <p:cNvPr id="457" name="Google Shape;457;p23"/>
+            <p:cNvPr id="464" name="Google Shape;464;p24"/>
             <p:cNvGrpSpPr/>
             <p:nvPr/>
           </p:nvGrpSpPr>
@@ -17958,7 +18250,7 @@
           </p:grpSpPr>
           <p:sp>
             <p:nvSpPr>
-              <p:cNvPr id="458" name="Google Shape;458;p23"/>
+              <p:cNvPr id="465" name="Google Shape;465;p24"/>
               <p:cNvSpPr/>
               <p:nvPr/>
             </p:nvSpPr>
@@ -18029,7 +18321,7 @@
           </p:sp>
           <p:sp>
             <p:nvSpPr>
-              <p:cNvPr id="459" name="Google Shape;459;p23"/>
+              <p:cNvPr id="466" name="Google Shape;466;p24"/>
               <p:cNvSpPr txBox="1"/>
               <p:nvPr/>
             </p:nvSpPr>
@@ -18082,7 +18374,7 @@
         </p:grpSp>
         <p:grpSp>
           <p:nvGrpSpPr>
-            <p:cNvPr id="460" name="Google Shape;460;p23"/>
+            <p:cNvPr id="467" name="Google Shape;467;p24"/>
             <p:cNvGrpSpPr/>
             <p:nvPr/>
           </p:nvGrpSpPr>
@@ -18096,7 +18388,7 @@
           </p:grpSpPr>
           <p:sp>
             <p:nvSpPr>
-              <p:cNvPr id="461" name="Google Shape;461;p23"/>
+              <p:cNvPr id="468" name="Google Shape;468;p24"/>
               <p:cNvSpPr/>
               <p:nvPr/>
             </p:nvSpPr>
@@ -18167,7 +18459,7 @@
           </p:sp>
           <p:sp>
             <p:nvSpPr>
-              <p:cNvPr id="462" name="Google Shape;462;p23"/>
+              <p:cNvPr id="469" name="Google Shape;469;p24"/>
               <p:cNvSpPr txBox="1"/>
               <p:nvPr/>
             </p:nvSpPr>
@@ -18220,7 +18512,7 @@
         </p:grpSp>
         <p:grpSp>
           <p:nvGrpSpPr>
-            <p:cNvPr id="463" name="Google Shape;463;p23"/>
+            <p:cNvPr id="470" name="Google Shape;470;p24"/>
             <p:cNvGrpSpPr/>
             <p:nvPr/>
           </p:nvGrpSpPr>
@@ -18234,7 +18526,7 @@
           </p:grpSpPr>
           <p:sp>
             <p:nvSpPr>
-              <p:cNvPr id="464" name="Google Shape;464;p23"/>
+              <p:cNvPr id="471" name="Google Shape;471;p24"/>
               <p:cNvSpPr/>
               <p:nvPr/>
             </p:nvSpPr>
@@ -18305,7 +18597,7 @@
           </p:sp>
           <p:sp>
             <p:nvSpPr>
-              <p:cNvPr id="465" name="Google Shape;465;p23"/>
+              <p:cNvPr id="472" name="Google Shape;472;p24"/>
               <p:cNvSpPr txBox="1"/>
               <p:nvPr/>
             </p:nvSpPr>
@@ -18365,12 +18657,12 @@
 </p:sld>
 </file>
 
-<file path=ppt/slides/slide12.xml><?xml version="1.0" encoding="utf-8"?>
+<file path=ppt/slides/slide13.xml><?xml version="1.0" encoding="utf-8"?>
 <p:sld xmlns:a="http://schemas.openxmlformats.org/drawingml/2006/main" xmlns:r="http://schemas.openxmlformats.org/officeDocument/2006/relationships" xmlns:mc="http://schemas.openxmlformats.org/markup-compatibility/2006" xmlns:mv="urn:schemas-microsoft-com:mac:vml" xmlns:p="http://schemas.openxmlformats.org/presentationml/2006/main" xmlns:c="http://schemas.openxmlformats.org/drawingml/2006/chart" xmlns:dgm="http://schemas.openxmlformats.org/drawingml/2006/diagram" xmlns:o="urn:schemas-microsoft-com:office:office" xmlns:v="urn:schemas-microsoft-com:vml" xmlns:pvml="urn:schemas-microsoft-com:office:powerpoint" xmlns:com="http://schemas.openxmlformats.org/drawingml/2006/compatibility" xmlns:p14="http://schemas.microsoft.com/office/powerpoint/2010/main" xmlns:p15="http://schemas.microsoft.com/office/powerpoint/2012/main" xmlns:ahyp="http://schemas.microsoft.com/office/drawing/2018/hyperlinkcolor">
   <p:cSld>
     <p:spTree>
       <p:nvGrpSpPr>
-        <p:cNvPr id="469" name="Shape 469"/>
+        <p:cNvPr id="476" name="Shape 476"/>
         <p:cNvGrpSpPr/>
         <p:nvPr/>
       </p:nvGrpSpPr>
@@ -18384,7 +18676,7 @@
       </p:grpSpPr>
       <p:grpSp>
         <p:nvGrpSpPr>
-          <p:cNvPr id="470" name="Google Shape;470;p24"/>
+          <p:cNvPr id="477" name="Google Shape;477;p25"/>
           <p:cNvGrpSpPr/>
           <p:nvPr/>
         </p:nvGrpSpPr>
@@ -18398,7 +18690,7 @@
         </p:grpSpPr>
         <p:sp>
           <p:nvSpPr>
-            <p:cNvPr id="471" name="Google Shape;471;p24"/>
+            <p:cNvPr id="478" name="Google Shape;478;p25"/>
             <p:cNvSpPr/>
             <p:nvPr/>
           </p:nvSpPr>
@@ -18437,7 +18729,7 @@
         </p:sp>
         <p:sp>
           <p:nvSpPr>
-            <p:cNvPr id="472" name="Google Shape;472;p24"/>
+            <p:cNvPr id="479" name="Google Shape;479;p25"/>
             <p:cNvSpPr txBox="1"/>
             <p:nvPr/>
           </p:nvSpPr>
@@ -18490,7 +18782,7 @@
       </p:grpSp>
       <p:grpSp>
         <p:nvGrpSpPr>
-          <p:cNvPr id="473" name="Google Shape;473;p24"/>
+          <p:cNvPr id="480" name="Google Shape;480;p25"/>
           <p:cNvGrpSpPr/>
           <p:nvPr/>
         </p:nvGrpSpPr>
@@ -18504,7 +18796,7 @@
         </p:grpSpPr>
         <p:sp>
           <p:nvSpPr>
-            <p:cNvPr id="474" name="Google Shape;474;p24"/>
+            <p:cNvPr id="481" name="Google Shape;481;p25"/>
             <p:cNvSpPr/>
             <p:nvPr/>
           </p:nvSpPr>
@@ -18543,7 +18835,7 @@
         </p:sp>
         <p:sp>
           <p:nvSpPr>
-            <p:cNvPr id="475" name="Google Shape;475;p24"/>
+            <p:cNvPr id="482" name="Google Shape;482;p25"/>
             <p:cNvSpPr txBox="1"/>
             <p:nvPr/>
           </p:nvSpPr>
@@ -18596,7 +18888,7 @@
       </p:grpSp>
       <p:sp>
         <p:nvSpPr>
-          <p:cNvPr id="476" name="Google Shape;476;p24"/>
+          <p:cNvPr id="483" name="Google Shape;483;p25"/>
           <p:cNvSpPr txBox="1"/>
           <p:nvPr/>
         </p:nvSpPr>
@@ -24632,6 +24924,285 @@
 </file>
 
 <file path=ppt/theme/theme1.xml><?xml version="1.0" encoding="utf-8"?>
+<a:theme xmlns:a="http://schemas.openxmlformats.org/drawingml/2006/main" xmlns:r="http://schemas.openxmlformats.org/officeDocument/2006/relationships" name="Green and White Minimal Geometric Newsletter Presentation">
+  <a:themeElements>
+    <a:clrScheme name="Office">
+      <a:dk1>
+        <a:srgbClr val="000000"/>
+      </a:dk1>
+      <a:lt1>
+        <a:srgbClr val="FFFFFF"/>
+      </a:lt1>
+      <a:dk2>
+        <a:srgbClr val="055E5C"/>
+      </a:dk2>
+      <a:lt2>
+        <a:srgbClr val="EEECE1"/>
+      </a:lt2>
+      <a:accent1>
+        <a:srgbClr val="055E5C"/>
+      </a:accent1>
+      <a:accent2>
+        <a:srgbClr val="FFC000"/>
+      </a:accent2>
+      <a:accent3>
+        <a:srgbClr val="EDECED"/>
+      </a:accent3>
+      <a:accent4>
+        <a:srgbClr val="888888"/>
+      </a:accent4>
+      <a:accent5>
+        <a:srgbClr val="FFC000"/>
+      </a:accent5>
+      <a:accent6>
+        <a:srgbClr val="FFC000"/>
+      </a:accent6>
+      <a:hlink>
+        <a:srgbClr val="0000FF"/>
+      </a:hlink>
+      <a:folHlink>
+        <a:srgbClr val="800080"/>
+      </a:folHlink>
+    </a:clrScheme>
+    <a:fontScheme name="Office">
+      <a:majorFont>
+        <a:latin typeface="Arial"/>
+        <a:ea typeface=""/>
+        <a:cs typeface=""/>
+        <a:font script="Jpan" typeface="ＭＳ Ｐゴシック"/>
+        <a:font script="Hang" typeface="맑은 고딕"/>
+        <a:font script="Hans" typeface="宋体"/>
+        <a:font script="Hant" typeface="新細明體"/>
+        <a:font script="Arab" typeface="Times New Roman"/>
+        <a:font script="Hebr" typeface="Times New Roman"/>
+        <a:font script="Thai" typeface="Angsana New"/>
+        <a:font script="Ethi" typeface="Nyala"/>
+        <a:font script="Beng" typeface="Vrinda"/>
+        <a:font script="Gujr" typeface="Shruti"/>
+        <a:font script="Khmr" typeface="MoolBoran"/>
+        <a:font script="Knda" typeface="Tunga"/>
+        <a:font script="Guru" typeface="Raavi"/>
+        <a:font script="Cans" typeface="Euphemia"/>
+        <a:font script="Cher" typeface="Plantagenet Cherokee"/>
+        <a:font script="Yiii" typeface="Microsoft Yi Baiti"/>
+        <a:font script="Tibt" typeface="Microsoft Himalaya"/>
+        <a:font script="Thaa" typeface="MV Boli"/>
+        <a:font script="Deva" typeface="Mangal"/>
+        <a:font script="Telu" typeface="Gautami"/>
+        <a:font script="Taml" typeface="Latha"/>
+        <a:font script="Syrc" typeface="Estrangelo Edessa"/>
+        <a:font script="Orya" typeface="Kalinga"/>
+        <a:font script="Mlym" typeface="Kartika"/>
+        <a:font script="Laoo" typeface="DokChampa"/>
+        <a:font script="Sinh" typeface="Iskoola Pota"/>
+        <a:font script="Mong" typeface="Mongolian Baiti"/>
+        <a:font script="Viet" typeface="Times New Roman"/>
+        <a:font script="Uigh" typeface="Microsoft Uighur"/>
+        <a:font script="Geor" typeface="Sylfaen"/>
+      </a:majorFont>
+      <a:minorFont>
+        <a:latin typeface="Arial"/>
+        <a:ea typeface=""/>
+        <a:cs typeface=""/>
+        <a:font script="Jpan" typeface="ＭＳ Ｐゴシック"/>
+        <a:font script="Hang" typeface="맑은 고딕"/>
+        <a:font script="Hans" typeface="宋体"/>
+        <a:font script="Hant" typeface="新細明體"/>
+        <a:font script="Arab" typeface="Arial"/>
+        <a:font script="Hebr" typeface="Arial"/>
+        <a:font script="Thai" typeface="Cordia New"/>
+        <a:font script="Ethi" typeface="Nyala"/>
+        <a:font script="Beng" typeface="Vrinda"/>
+        <a:font script="Gujr" typeface="Shruti"/>
+        <a:font script="Khmr" typeface="DaunPenh"/>
+        <a:font script="Knda" typeface="Tunga"/>
+        <a:font script="Guru" typeface="Raavi"/>
+        <a:font script="Cans" typeface="Euphemia"/>
+        <a:font script="Cher" typeface="Plantagenet Cherokee"/>
+        <a:font script="Yiii" typeface="Microsoft Yi Baiti"/>
+        <a:font script="Tibt" typeface="Microsoft Himalaya"/>
+        <a:font script="Thaa" typeface="MV Boli"/>
+        <a:font script="Deva" typeface="Mangal"/>
+        <a:font script="Telu" typeface="Gautami"/>
+        <a:font script="Taml" typeface="Latha"/>
+        <a:font script="Syrc" typeface="Estrangelo Edessa"/>
+        <a:font script="Orya" typeface="Kalinga"/>
+        <a:font script="Mlym" typeface="Kartika"/>
+        <a:font script="Laoo" typeface="DokChampa"/>
+        <a:font script="Sinh" typeface="Iskoola Pota"/>
+        <a:font script="Mong" typeface="Mongolian Baiti"/>
+        <a:font script="Viet" typeface="Arial"/>
+        <a:font script="Uigh" typeface="Microsoft Uighur"/>
+        <a:font script="Geor" typeface="Sylfaen"/>
+      </a:minorFont>
+    </a:fontScheme>
+    <a:fmtScheme name="Office">
+      <a:fillStyleLst>
+        <a:solidFill>
+          <a:schemeClr val="phClr"/>
+        </a:solidFill>
+        <a:gradFill rotWithShape="1">
+          <a:gsLst>
+            <a:gs pos="0">
+              <a:schemeClr val="phClr">
+                <a:tint val="50000"/>
+                <a:satMod val="300000"/>
+              </a:schemeClr>
+            </a:gs>
+            <a:gs pos="35000">
+              <a:schemeClr val="phClr">
+                <a:tint val="37000"/>
+                <a:satMod val="300000"/>
+              </a:schemeClr>
+            </a:gs>
+            <a:gs pos="100000">
+              <a:schemeClr val="phClr">
+                <a:tint val="15000"/>
+                <a:satMod val="350000"/>
+              </a:schemeClr>
+            </a:gs>
+          </a:gsLst>
+          <a:lin ang="16200000" scaled="1"/>
+        </a:gradFill>
+        <a:gradFill rotWithShape="1">
+          <a:gsLst>
+            <a:gs pos="0">
+              <a:schemeClr val="phClr">
+                <a:tint val="100000"/>
+                <a:shade val="100000"/>
+                <a:satMod val="130000"/>
+              </a:schemeClr>
+            </a:gs>
+            <a:gs pos="100000">
+              <a:schemeClr val="phClr">
+                <a:tint val="50000"/>
+                <a:shade val="100000"/>
+                <a:satMod val="350000"/>
+              </a:schemeClr>
+            </a:gs>
+          </a:gsLst>
+          <a:lin ang="16200000" scaled="0"/>
+        </a:gradFill>
+      </a:fillStyleLst>
+      <a:lnStyleLst>
+        <a:ln w="9525" cap="flat" cmpd="sng" algn="ctr">
+          <a:solidFill>
+            <a:schemeClr val="phClr">
+              <a:shade val="95000"/>
+              <a:satMod val="105000"/>
+            </a:schemeClr>
+          </a:solidFill>
+          <a:prstDash val="solid"/>
+        </a:ln>
+        <a:ln w="25400" cap="flat" cmpd="sng" algn="ctr">
+          <a:solidFill>
+            <a:schemeClr val="phClr"/>
+          </a:solidFill>
+          <a:prstDash val="solid"/>
+        </a:ln>
+        <a:ln w="38100" cap="flat" cmpd="sng" algn="ctr">
+          <a:solidFill>
+            <a:schemeClr val="phClr"/>
+          </a:solidFill>
+          <a:prstDash val="solid"/>
+        </a:ln>
+      </a:lnStyleLst>
+      <a:effectStyleLst>
+        <a:effectStyle>
+          <a:effectLst>
+            <a:outerShdw blurRad="40000" dist="20000" dir="5400000" rotWithShape="0">
+              <a:srgbClr val="000000">
+                <a:alpha val="38000"/>
+              </a:srgbClr>
+            </a:outerShdw>
+          </a:effectLst>
+        </a:effectStyle>
+        <a:effectStyle>
+          <a:effectLst>
+            <a:outerShdw blurRad="40000" dist="23000" dir="5400000" rotWithShape="0">
+              <a:srgbClr val="000000">
+                <a:alpha val="35000"/>
+              </a:srgbClr>
+            </a:outerShdw>
+          </a:effectLst>
+        </a:effectStyle>
+        <a:effectStyle>
+          <a:effectLst>
+            <a:outerShdw blurRad="40000" dist="23000" dir="5400000" rotWithShape="0">
+              <a:srgbClr val="000000">
+                <a:alpha val="35000"/>
+              </a:srgbClr>
+            </a:outerShdw>
+          </a:effectLst>
+          <a:scene3d>
+            <a:camera prst="orthographicFront">
+              <a:rot lat="0" lon="0" rev="0"/>
+            </a:camera>
+            <a:lightRig rig="threePt" dir="t">
+              <a:rot lat="0" lon="0" rev="1200000"/>
+            </a:lightRig>
+          </a:scene3d>
+          <a:sp3d>
+            <a:bevelT w="63500" h="25400"/>
+          </a:sp3d>
+        </a:effectStyle>
+      </a:effectStyleLst>
+      <a:bgFillStyleLst>
+        <a:solidFill>
+          <a:schemeClr val="phClr"/>
+        </a:solidFill>
+        <a:gradFill rotWithShape="1">
+          <a:gsLst>
+            <a:gs pos="0">
+              <a:schemeClr val="phClr">
+                <a:tint val="40000"/>
+                <a:satMod val="350000"/>
+              </a:schemeClr>
+            </a:gs>
+            <a:gs pos="40000">
+              <a:schemeClr val="phClr">
+                <a:tint val="45000"/>
+                <a:shade val="99000"/>
+                <a:satMod val="350000"/>
+              </a:schemeClr>
+            </a:gs>
+            <a:gs pos="100000">
+              <a:schemeClr val="phClr">
+                <a:shade val="20000"/>
+                <a:satMod val="255000"/>
+              </a:schemeClr>
+            </a:gs>
+          </a:gsLst>
+          <a:path path="circle">
+            <a:fillToRect l="50000" t="-80000" r="50000" b="180000"/>
+          </a:path>
+        </a:gradFill>
+        <a:gradFill rotWithShape="1">
+          <a:gsLst>
+            <a:gs pos="0">
+              <a:schemeClr val="phClr">
+                <a:tint val="80000"/>
+                <a:satMod val="300000"/>
+              </a:schemeClr>
+            </a:gs>
+            <a:gs pos="100000">
+              <a:schemeClr val="phClr">
+                <a:shade val="30000"/>
+                <a:satMod val="200000"/>
+              </a:schemeClr>
+            </a:gs>
+          </a:gsLst>
+          <a:path path="circle">
+            <a:fillToRect l="50000" t="50000" r="50000" b="50000"/>
+          </a:path>
+        </a:gradFill>
+      </a:bgFillStyleLst>
+    </a:fmtScheme>
+  </a:themeElements>
+</a:theme>
+</file>
+
+<file path=ppt/theme/theme2.xml><?xml version="1.0" encoding="utf-8"?>
 <a:theme xmlns:a="http://schemas.openxmlformats.org/drawingml/2006/main" xmlns:r="http://schemas.openxmlformats.org/officeDocument/2006/relationships" name="Тема Office">
   <a:themeElements>
     <a:clrScheme name="Стандартная">
@@ -24908,283 +25479,4 @@
     </a:fmtScheme>
   </a:themeElements>
 </a:theme>
-</file>
-
-<file path=ppt/theme/theme2.xml><?xml version="1.0" encoding="utf-8"?>
-<a:theme xmlns:a="http://schemas.openxmlformats.org/drawingml/2006/main" xmlns:r="http://schemas.openxmlformats.org/officeDocument/2006/relationships" name="Green and White Minimal Geometric Newsletter Presentation">
-  <a:themeElements>
-    <a:clrScheme name="Office">
-      <a:dk1>
-        <a:srgbClr val="000000"/>
-      </a:dk1>
-      <a:lt1>
-        <a:srgbClr val="FFFFFF"/>
-      </a:lt1>
-      <a:dk2>
-        <a:srgbClr val="055E5C"/>
-      </a:dk2>
-      <a:lt2>
-        <a:srgbClr val="EEECE1"/>
-      </a:lt2>
-      <a:accent1>
-        <a:srgbClr val="055E5C"/>
-      </a:accent1>
-      <a:accent2>
-        <a:srgbClr val="FFC000"/>
-      </a:accent2>
-      <a:accent3>
-        <a:srgbClr val="EDECED"/>
-      </a:accent3>
-      <a:accent4>
-        <a:srgbClr val="888888"/>
-      </a:accent4>
-      <a:accent5>
-        <a:srgbClr val="FFC000"/>
-      </a:accent5>
-      <a:accent6>
-        <a:srgbClr val="FFC000"/>
-      </a:accent6>
-      <a:hlink>
-        <a:srgbClr val="0000FF"/>
-      </a:hlink>
-      <a:folHlink>
-        <a:srgbClr val="800080"/>
-      </a:folHlink>
-    </a:clrScheme>
-    <a:fontScheme name="Office">
-      <a:majorFont>
-        <a:latin typeface="Arial"/>
-        <a:ea typeface=""/>
-        <a:cs typeface=""/>
-        <a:font script="Jpan" typeface="ＭＳ Ｐゴシック"/>
-        <a:font script="Hang" typeface="맑은 고딕"/>
-        <a:font script="Hans" typeface="宋体"/>
-        <a:font script="Hant" typeface="新細明體"/>
-        <a:font script="Arab" typeface="Times New Roman"/>
-        <a:font script="Hebr" typeface="Times New Roman"/>
-        <a:font script="Thai" typeface="Angsana New"/>
-        <a:font script="Ethi" typeface="Nyala"/>
-        <a:font script="Beng" typeface="Vrinda"/>
-        <a:font script="Gujr" typeface="Shruti"/>
-        <a:font script="Khmr" typeface="MoolBoran"/>
-        <a:font script="Knda" typeface="Tunga"/>
-        <a:font script="Guru" typeface="Raavi"/>
-        <a:font script="Cans" typeface="Euphemia"/>
-        <a:font script="Cher" typeface="Plantagenet Cherokee"/>
-        <a:font script="Yiii" typeface="Microsoft Yi Baiti"/>
-        <a:font script="Tibt" typeface="Microsoft Himalaya"/>
-        <a:font script="Thaa" typeface="MV Boli"/>
-        <a:font script="Deva" typeface="Mangal"/>
-        <a:font script="Telu" typeface="Gautami"/>
-        <a:font script="Taml" typeface="Latha"/>
-        <a:font script="Syrc" typeface="Estrangelo Edessa"/>
-        <a:font script="Orya" typeface="Kalinga"/>
-        <a:font script="Mlym" typeface="Kartika"/>
-        <a:font script="Laoo" typeface="DokChampa"/>
-        <a:font script="Sinh" typeface="Iskoola Pota"/>
-        <a:font script="Mong" typeface="Mongolian Baiti"/>
-        <a:font script="Viet" typeface="Times New Roman"/>
-        <a:font script="Uigh" typeface="Microsoft Uighur"/>
-        <a:font script="Geor" typeface="Sylfaen"/>
-      </a:majorFont>
-      <a:minorFont>
-        <a:latin typeface="Arial"/>
-        <a:ea typeface=""/>
-        <a:cs typeface=""/>
-        <a:font script="Jpan" typeface="ＭＳ Ｐゴシック"/>
-        <a:font script="Hang" typeface="맑은 고딕"/>
-        <a:font script="Hans" typeface="宋体"/>
-        <a:font script="Hant" typeface="新細明體"/>
-        <a:font script="Arab" typeface="Arial"/>
-        <a:font script="Hebr" typeface="Arial"/>
-        <a:font script="Thai" typeface="Cordia New"/>
-        <a:font script="Ethi" typeface="Nyala"/>
-        <a:font script="Beng" typeface="Vrinda"/>
-        <a:font script="Gujr" typeface="Shruti"/>
-        <a:font script="Khmr" typeface="DaunPenh"/>
-        <a:font script="Knda" typeface="Tunga"/>
-        <a:font script="Guru" typeface="Raavi"/>
-        <a:font script="Cans" typeface="Euphemia"/>
-        <a:font script="Cher" typeface="Plantagenet Cherokee"/>
-        <a:font script="Yiii" typeface="Microsoft Yi Baiti"/>
-        <a:font script="Tibt" typeface="Microsoft Himalaya"/>
-        <a:font script="Thaa" typeface="MV Boli"/>
-        <a:font script="Deva" typeface="Mangal"/>
-        <a:font script="Telu" typeface="Gautami"/>
-        <a:font script="Taml" typeface="Latha"/>
-        <a:font script="Syrc" typeface="Estrangelo Edessa"/>
-        <a:font script="Orya" typeface="Kalinga"/>
-        <a:font script="Mlym" typeface="Kartika"/>
-        <a:font script="Laoo" typeface="DokChampa"/>
-        <a:font script="Sinh" typeface="Iskoola Pota"/>
-        <a:font script="Mong" typeface="Mongolian Baiti"/>
-        <a:font script="Viet" typeface="Arial"/>
-        <a:font script="Uigh" typeface="Microsoft Uighur"/>
-        <a:font script="Geor" typeface="Sylfaen"/>
-      </a:minorFont>
-    </a:fontScheme>
-    <a:fmtScheme name="Office">
-      <a:fillStyleLst>
-        <a:solidFill>
-          <a:schemeClr val="phClr"/>
-        </a:solidFill>
-        <a:gradFill rotWithShape="1">
-          <a:gsLst>
-            <a:gs pos="0">
-              <a:schemeClr val="phClr">
-                <a:tint val="50000"/>
-                <a:satMod val="300000"/>
-              </a:schemeClr>
-            </a:gs>
-            <a:gs pos="35000">
-              <a:schemeClr val="phClr">
-                <a:tint val="37000"/>
-                <a:satMod val="300000"/>
-              </a:schemeClr>
-            </a:gs>
-            <a:gs pos="100000">
-              <a:schemeClr val="phClr">
-                <a:tint val="15000"/>
-                <a:satMod val="350000"/>
-              </a:schemeClr>
-            </a:gs>
-          </a:gsLst>
-          <a:lin ang="16200000" scaled="1"/>
-        </a:gradFill>
-        <a:gradFill rotWithShape="1">
-          <a:gsLst>
-            <a:gs pos="0">
-              <a:schemeClr val="phClr">
-                <a:tint val="100000"/>
-                <a:shade val="100000"/>
-                <a:satMod val="130000"/>
-              </a:schemeClr>
-            </a:gs>
-            <a:gs pos="100000">
-              <a:schemeClr val="phClr">
-                <a:tint val="50000"/>
-                <a:shade val="100000"/>
-                <a:satMod val="350000"/>
-              </a:schemeClr>
-            </a:gs>
-          </a:gsLst>
-          <a:lin ang="16200000" scaled="0"/>
-        </a:gradFill>
-      </a:fillStyleLst>
-      <a:lnStyleLst>
-        <a:ln w="9525" cap="flat" cmpd="sng" algn="ctr">
-          <a:solidFill>
-            <a:schemeClr val="phClr">
-              <a:shade val="95000"/>
-              <a:satMod val="105000"/>
-            </a:schemeClr>
-          </a:solidFill>
-          <a:prstDash val="solid"/>
-        </a:ln>
-        <a:ln w="25400" cap="flat" cmpd="sng" algn="ctr">
-          <a:solidFill>
-            <a:schemeClr val="phClr"/>
-          </a:solidFill>
-          <a:prstDash val="solid"/>
-        </a:ln>
-        <a:ln w="38100" cap="flat" cmpd="sng" algn="ctr">
-          <a:solidFill>
-            <a:schemeClr val="phClr"/>
-          </a:solidFill>
-          <a:prstDash val="solid"/>
-        </a:ln>
-      </a:lnStyleLst>
-      <a:effectStyleLst>
-        <a:effectStyle>
-          <a:effectLst>
-            <a:outerShdw blurRad="40000" dist="20000" dir="5400000" rotWithShape="0">
-              <a:srgbClr val="000000">
-                <a:alpha val="38000"/>
-              </a:srgbClr>
-            </a:outerShdw>
-          </a:effectLst>
-        </a:effectStyle>
-        <a:effectStyle>
-          <a:effectLst>
-            <a:outerShdw blurRad="40000" dist="23000" dir="5400000" rotWithShape="0">
-              <a:srgbClr val="000000">
-                <a:alpha val="35000"/>
-              </a:srgbClr>
-            </a:outerShdw>
-          </a:effectLst>
-        </a:effectStyle>
-        <a:effectStyle>
-          <a:effectLst>
-            <a:outerShdw blurRad="40000" dist="23000" dir="5400000" rotWithShape="0">
-              <a:srgbClr val="000000">
-                <a:alpha val="35000"/>
-              </a:srgbClr>
-            </a:outerShdw>
-          </a:effectLst>
-          <a:scene3d>
-            <a:camera prst="orthographicFront">
-              <a:rot lat="0" lon="0" rev="0"/>
-            </a:camera>
-            <a:lightRig rig="threePt" dir="t">
-              <a:rot lat="0" lon="0" rev="1200000"/>
-            </a:lightRig>
-          </a:scene3d>
-          <a:sp3d>
-            <a:bevelT w="63500" h="25400"/>
-          </a:sp3d>
-        </a:effectStyle>
-      </a:effectStyleLst>
-      <a:bgFillStyleLst>
-        <a:solidFill>
-          <a:schemeClr val="phClr"/>
-        </a:solidFill>
-        <a:gradFill rotWithShape="1">
-          <a:gsLst>
-            <a:gs pos="0">
-              <a:schemeClr val="phClr">
-                <a:tint val="40000"/>
-                <a:satMod val="350000"/>
-              </a:schemeClr>
-            </a:gs>
-            <a:gs pos="40000">
-              <a:schemeClr val="phClr">
-                <a:tint val="45000"/>
-                <a:shade val="99000"/>
-                <a:satMod val="350000"/>
-              </a:schemeClr>
-            </a:gs>
-            <a:gs pos="100000">
-              <a:schemeClr val="phClr">
-                <a:shade val="20000"/>
-                <a:satMod val="255000"/>
-              </a:schemeClr>
-            </a:gs>
-          </a:gsLst>
-          <a:path path="circle">
-            <a:fillToRect l="50000" t="-80000" r="50000" b="180000"/>
-          </a:path>
-        </a:gradFill>
-        <a:gradFill rotWithShape="1">
-          <a:gsLst>
-            <a:gs pos="0">
-              <a:schemeClr val="phClr">
-                <a:tint val="80000"/>
-                <a:satMod val="300000"/>
-              </a:schemeClr>
-            </a:gs>
-            <a:gs pos="100000">
-              <a:schemeClr val="phClr">
-                <a:shade val="30000"/>
-                <a:satMod val="200000"/>
-              </a:schemeClr>
-            </a:gs>
-          </a:gsLst>
-          <a:path path="circle">
-            <a:fillToRect l="50000" t="50000" r="50000" b="50000"/>
-          </a:path>
-        </a:gradFill>
-      </a:bgFillStyleLst>
-    </a:fmtScheme>
-  </a:themeElements>
-</a:theme>
 </file>